--- a/My_presentation_chess.pptx
+++ b/My_presentation_chess.pptx
@@ -5,7 +5,7 @@
     <p:sldMasterId id="2147483660" r:id="rId4"/>
   </p:sldMasterIdLst>
   <p:notesMasterIdLst>
-    <p:notesMasterId r:id="rId18"/>
+    <p:notesMasterId r:id="rId19"/>
   </p:notesMasterIdLst>
   <p:sldIdLst>
     <p:sldId id="298" r:id="rId5"/>
@@ -15,12 +15,13 @@
     <p:sldId id="312" r:id="rId9"/>
     <p:sldId id="313" r:id="rId10"/>
     <p:sldId id="310" r:id="rId11"/>
-    <p:sldId id="304" r:id="rId12"/>
-    <p:sldId id="301" r:id="rId13"/>
-    <p:sldId id="306" r:id="rId14"/>
-    <p:sldId id="314" r:id="rId15"/>
-    <p:sldId id="315" r:id="rId16"/>
-    <p:sldId id="316" r:id="rId17"/>
+    <p:sldId id="317" r:id="rId12"/>
+    <p:sldId id="304" r:id="rId13"/>
+    <p:sldId id="301" r:id="rId14"/>
+    <p:sldId id="306" r:id="rId15"/>
+    <p:sldId id="314" r:id="rId16"/>
+    <p:sldId id="315" r:id="rId17"/>
+    <p:sldId id="316" r:id="rId18"/>
   </p:sldIdLst>
   <p:sldSz cx="12192000" cy="6858000"/>
   <p:notesSz cx="6858000" cy="9144000"/>
@@ -9263,7 +9264,7 @@
           <a:p>
             <a:fld id="{96473116-09FB-4C9F-AECC-280FA671E3A1}" type="datetimeFigureOut">
               <a:rPr lang="en-US" smtClean="0"/>
-              <a:t>12/15/2021</a:t>
+              <a:t>12/16/2021</a:t>
             </a:fld>
             <a:endParaRPr lang="en-US"/>
           </a:p>
@@ -9774,7 +9775,7 @@
           <a:p>
             <a:fld id="{9184DA70-C731-4C70-880D-CCD4705E623C}" type="datetime1">
               <a:rPr lang="en-US" smtClean="0"/>
-              <a:t>12/15/2021</a:t>
+              <a:t>12/16/2021</a:t>
             </a:fld>
             <a:endParaRPr lang="en-US" dirty="0"/>
           </a:p>
@@ -9962,7 +9963,7 @@
           <a:p>
             <a:fld id="{4BE1D723-8F53-4F53-90B0-1982A396982E}" type="datetime1">
               <a:rPr lang="en-US" smtClean="0"/>
-              <a:t>12/15/2021</a:t>
+              <a:t>12/16/2021</a:t>
             </a:fld>
             <a:endParaRPr lang="en-US" dirty="0"/>
           </a:p>
@@ -10335,7 +10336,7 @@
           <a:p>
             <a:fld id="{97669AF7-7BEB-44E4-9852-375E34362B5B}" type="datetime1">
               <a:rPr lang="en-US" smtClean="0"/>
-              <a:t>12/15/2021</a:t>
+              <a:t>12/16/2021</a:t>
             </a:fld>
             <a:endParaRPr lang="en-US" dirty="0"/>
           </a:p>
@@ -10590,7 +10591,7 @@
           <a:p>
             <a:fld id="{BAAAC38D-0552-4C82-B593-E6124DFADBE2}" type="datetime1">
               <a:rPr lang="en-US" smtClean="0"/>
-              <a:t>12/15/2021</a:t>
+              <a:t>12/16/2021</a:t>
             </a:fld>
             <a:endParaRPr lang="en-US" dirty="0"/>
           </a:p>
@@ -10987,7 +10988,7 @@
           <a:p>
             <a:fld id="{D9DF0F1C-5577-4ACB-BB62-DF8F3C494C7E}" type="datetime1">
               <a:rPr lang="en-US" smtClean="0"/>
-              <a:t>12/15/2021</a:t>
+              <a:t>12/16/2021</a:t>
             </a:fld>
             <a:endParaRPr lang="en-US" dirty="0"/>
           </a:p>
@@ -11123,7 +11124,7 @@
           <a:p>
             <a:fld id="{1775B394-D9F9-4F0C-B15D-605F45CB9E9F}" type="datetime1">
               <a:rPr lang="en-US" smtClean="0"/>
-              <a:t>12/15/2021</a:t>
+              <a:t>12/16/2021</a:t>
             </a:fld>
             <a:endParaRPr lang="en-US" dirty="0"/>
           </a:p>
@@ -11280,7 +11281,7 @@
           <a:p>
             <a:fld id="{39667345-2558-425A-8533-9BFDBCE15005}" type="datetime1">
               <a:rPr lang="en-US" smtClean="0"/>
-              <a:t>12/15/2021</a:t>
+              <a:t>12/16/2021</a:t>
             </a:fld>
             <a:endParaRPr lang="en-US" dirty="0"/>
           </a:p>
@@ -11609,7 +11610,7 @@
           <a:p>
             <a:fld id="{92BEA474-078D-4E9B-9B14-09A87B19DC46}" type="datetime1">
               <a:rPr lang="en-US" smtClean="0"/>
-              <a:t>12/15/2021</a:t>
+              <a:t>12/16/2021</a:t>
             </a:fld>
             <a:endParaRPr lang="en-US" dirty="0"/>
           </a:p>
@@ -11959,7 +11960,7 @@
           <a:p>
             <a:fld id="{4907D986-8816-4272-A432-0437A28A9828}" type="datetime1">
               <a:rPr lang="en-US" smtClean="0"/>
-              <a:t>12/15/2021</a:t>
+              <a:t>12/16/2021</a:t>
             </a:fld>
             <a:endParaRPr lang="en-US" dirty="0"/>
           </a:p>
@@ -12220,7 +12221,7 @@
           <a:p>
             <a:fld id="{62D6E202-B606-4609-B914-27C9371A1F6D}" type="datetime1">
               <a:rPr lang="en-US" smtClean="0"/>
-              <a:t>12/15/2021</a:t>
+              <a:t>12/16/2021</a:t>
             </a:fld>
             <a:endParaRPr lang="en-US" dirty="0"/>
           </a:p>
@@ -13166,6 +13167,109 @@
           <a:chExt cx="0" cy="0"/>
         </a:xfrm>
       </p:grpSpPr>
+      <p:pic>
+        <p:nvPicPr>
+          <p:cNvPr id="16" name="Picture 15" descr="Graphical user interface, application, Teams&#10;&#10;Description automatically generated">
+            <a:extLst>
+              <a:ext uri="{FF2B5EF4-FFF2-40B4-BE49-F238E27FC236}">
+                <a16:creationId xmlns:a16="http://schemas.microsoft.com/office/drawing/2014/main" id="{6BD2BD0C-E30F-46B1-B6C4-84025F9EBA93}"/>
+              </a:ext>
+            </a:extLst>
+          </p:cNvPr>
+          <p:cNvPicPr>
+            <a:picLocks noChangeAspect="1"/>
+          </p:cNvPicPr>
+          <p:nvPr/>
+        </p:nvPicPr>
+        <p:blipFill>
+          <a:blip r:embed="rId2" cstate="screen">
+            <a:extLst>
+              <a:ext uri="{28A0092B-C50C-407E-A947-70E740481C1C}">
+                <a14:useLocalDpi xmlns:a14="http://schemas.microsoft.com/office/drawing/2010/main"/>
+              </a:ext>
+            </a:extLst>
+          </a:blip>
+          <a:stretch>
+            <a:fillRect/>
+          </a:stretch>
+        </p:blipFill>
+        <p:spPr>
+          <a:xfrm>
+            <a:off x="-91440" y="511628"/>
+            <a:ext cx="13670280" cy="5858692"/>
+          </a:xfrm>
+          <a:prstGeom prst="rect">
+            <a:avLst/>
+          </a:prstGeom>
+        </p:spPr>
+      </p:pic>
+      <p:sp>
+        <p:nvSpPr>
+          <p:cNvPr id="17" name="TextBox 16">
+            <a:extLst>
+              <a:ext uri="{FF2B5EF4-FFF2-40B4-BE49-F238E27FC236}">
+                <a16:creationId xmlns:a16="http://schemas.microsoft.com/office/drawing/2014/main" id="{5E725836-6EE7-449D-9A9E-5CB92F253F67}"/>
+              </a:ext>
+            </a:extLst>
+          </p:cNvPr>
+          <p:cNvSpPr txBox="1"/>
+          <p:nvPr/>
+        </p:nvSpPr>
+        <p:spPr>
+          <a:xfrm>
+            <a:off x="0" y="304800"/>
+            <a:ext cx="6812280" cy="523220"/>
+          </a:xfrm>
+          <a:prstGeom prst="rect">
+            <a:avLst/>
+          </a:prstGeom>
+          <a:noFill/>
+        </p:spPr>
+        <p:txBody>
+          <a:bodyPr wrap="square" rtlCol="0">
+            <a:spAutoFit/>
+          </a:bodyPr>
+          <a:lstStyle/>
+          <a:p>
+            <a:r>
+              <a:rPr lang="en-US" sz="2800" dirty="0">
+                <a:latin typeface="Century Gothic" panose="020B0502020202020204" pitchFamily="34" charset="0"/>
+              </a:rPr>
+              <a:t>Features Correlation Heatmap</a:t>
+            </a:r>
+          </a:p>
+        </p:txBody>
+      </p:sp>
+    </p:spTree>
+    <p:extLst>
+      <p:ext uri="{BB962C8B-B14F-4D97-AF65-F5344CB8AC3E}">
+        <p14:creationId xmlns:p14="http://schemas.microsoft.com/office/powerpoint/2010/main" val="791313963"/>
+      </p:ext>
+    </p:extLst>
+  </p:cSld>
+  <p:clrMapOvr>
+    <a:masterClrMapping/>
+  </p:clrMapOvr>
+</p:sld>
+</file>
+
+<file path=ppt/slides/slide11.xml><?xml version="1.0" encoding="utf-8"?>
+<p:sld xmlns:a="http://schemas.openxmlformats.org/drawingml/2006/main" xmlns:r="http://schemas.openxmlformats.org/officeDocument/2006/relationships" xmlns:p="http://schemas.openxmlformats.org/presentationml/2006/main">
+  <p:cSld>
+    <p:spTree>
+      <p:nvGrpSpPr>
+        <p:cNvPr id="1" name=""/>
+        <p:cNvGrpSpPr/>
+        <p:nvPr/>
+      </p:nvGrpSpPr>
+      <p:grpSpPr>
+        <a:xfrm>
+          <a:off x="0" y="0"/>
+          <a:ext cx="0" cy="0"/>
+          <a:chOff x="0" y="0"/>
+          <a:chExt cx="0" cy="0"/>
+        </a:xfrm>
+      </p:grpSpPr>
       <p:graphicFrame>
         <p:nvGraphicFramePr>
           <p:cNvPr id="2" name="Table 1">
@@ -13181,7 +13285,7 @@
           <p:nvPr>
             <p:extLst>
               <p:ext uri="{D42A27DB-BD31-4B8C-83A1-F6EECF244321}">
-                <p14:modId xmlns:p14="http://schemas.microsoft.com/office/powerpoint/2010/main" val="4199553929"/>
+                <p14:modId xmlns:p14="http://schemas.microsoft.com/office/powerpoint/2010/main" val="1515767223"/>
               </p:ext>
             </p:extLst>
           </p:nvPr>
@@ -13813,7 +13917,7 @@
 </p:sld>
 </file>
 
-<file path=ppt/slides/slide11.xml><?xml version="1.0" encoding="utf-8"?>
+<file path=ppt/slides/slide12.xml><?xml version="1.0" encoding="utf-8"?>
 <p:sld xmlns:a="http://schemas.openxmlformats.org/drawingml/2006/main" xmlns:r="http://schemas.openxmlformats.org/officeDocument/2006/relationships" xmlns:p="http://schemas.openxmlformats.org/presentationml/2006/main">
   <p:cSld>
     <p:spTree>
@@ -14063,7 +14167,7 @@
 </p:sld>
 </file>
 
-<file path=ppt/slides/slide12.xml><?xml version="1.0" encoding="utf-8"?>
+<file path=ppt/slides/slide13.xml><?xml version="1.0" encoding="utf-8"?>
 <p:sld xmlns:a="http://schemas.openxmlformats.org/drawingml/2006/main" xmlns:r="http://schemas.openxmlformats.org/officeDocument/2006/relationships" xmlns:p="http://schemas.openxmlformats.org/presentationml/2006/main">
   <p:cSld>
     <p:spTree>
@@ -14120,6 +14224,104 @@
           </a:p>
         </p:txBody>
       </p:sp>
+      <p:sp>
+        <p:nvSpPr>
+          <p:cNvPr id="5" name="TextBox 4">
+            <a:extLst>
+              <a:ext uri="{FF2B5EF4-FFF2-40B4-BE49-F238E27FC236}">
+                <a16:creationId xmlns:a16="http://schemas.microsoft.com/office/drawing/2014/main" id="{6CD3525C-3CC4-4A09-9AE8-7403D0D83643}"/>
+              </a:ext>
+            </a:extLst>
+          </p:cNvPr>
+          <p:cNvSpPr txBox="1"/>
+          <p:nvPr/>
+        </p:nvSpPr>
+        <p:spPr>
+          <a:xfrm>
+            <a:off x="982133" y="1420868"/>
+            <a:ext cx="10227733" cy="2246769"/>
+          </a:xfrm>
+          <a:prstGeom prst="rect">
+            <a:avLst/>
+          </a:prstGeom>
+          <a:noFill/>
+        </p:spPr>
+        <p:txBody>
+          <a:bodyPr wrap="square" rtlCol="0">
+            <a:spAutoFit/>
+          </a:bodyPr>
+          <a:lstStyle/>
+          <a:p>
+            <a:pPr marL="342900" indent="-342900">
+              <a:buFont typeface="Wingdings" panose="05000000000000000000" pitchFamily="2" charset="2"/>
+              <a:buChar char="Ø"/>
+            </a:pPr>
+            <a:r>
+              <a:rPr lang="en-US" sz="2000" dirty="0">
+                <a:latin typeface="Century Gothic" panose="020B0502020202020204" pitchFamily="34" charset="0"/>
+              </a:rPr>
+              <a:t>Connect the model with the original lichess.org API to be updated with </a:t>
+            </a:r>
+            <a:r>
+              <a:rPr lang="en-US" sz="2000" dirty="0" err="1">
+                <a:latin typeface="Century Gothic" panose="020B0502020202020204" pitchFamily="34" charset="0"/>
+              </a:rPr>
+              <a:t>realtime</a:t>
+            </a:r>
+            <a:r>
+              <a:rPr lang="en-US" sz="2000" dirty="0">
+                <a:latin typeface="Century Gothic" panose="020B0502020202020204" pitchFamily="34" charset="0"/>
+              </a:rPr>
+              <a:t> data.</a:t>
+            </a:r>
+          </a:p>
+          <a:p>
+            <a:pPr marL="342900" indent="-342900">
+              <a:buFont typeface="Wingdings" panose="05000000000000000000" pitchFamily="2" charset="2"/>
+              <a:buChar char="Ø"/>
+            </a:pPr>
+            <a:r>
+              <a:rPr lang="en-US" sz="2000" dirty="0">
+                <a:latin typeface="Century Gothic" panose="020B0502020202020204" pitchFamily="34" charset="0"/>
+              </a:rPr>
+              <a:t>Deploy to production on a webapp using Flask.</a:t>
+            </a:r>
+          </a:p>
+          <a:p>
+            <a:pPr marL="342900" indent="-342900">
+              <a:buFont typeface="Wingdings" panose="05000000000000000000" pitchFamily="2" charset="2"/>
+              <a:buChar char="Ø"/>
+            </a:pPr>
+            <a:r>
+              <a:rPr lang="en-US" sz="2000" dirty="0">
+                <a:latin typeface="Century Gothic" panose="020B0502020202020204" pitchFamily="34" charset="0"/>
+              </a:rPr>
+              <a:t>Apply the model on different sport games. </a:t>
+            </a:r>
+          </a:p>
+          <a:p>
+            <a:pPr marL="342900" indent="-342900">
+              <a:buFont typeface="Wingdings" panose="05000000000000000000" pitchFamily="2" charset="2"/>
+              <a:buChar char="Ø"/>
+            </a:pPr>
+            <a:r>
+              <a:rPr lang="en-US" sz="2000" dirty="0">
+                <a:latin typeface="Century Gothic" panose="020B0502020202020204" pitchFamily="34" charset="0"/>
+              </a:rPr>
+              <a:t>Upgrade the model to including detailed movement analysis using on Neural Network models. </a:t>
+            </a:r>
+          </a:p>
+          <a:p>
+            <a:pPr marL="342900" indent="-342900">
+              <a:buFont typeface="Wingdings" panose="05000000000000000000" pitchFamily="2" charset="2"/>
+              <a:buChar char="Ø"/>
+            </a:pPr>
+            <a:endParaRPr lang="en-US" sz="2000" dirty="0">
+              <a:latin typeface="Century Gothic" panose="020B0502020202020204" pitchFamily="34" charset="0"/>
+            </a:endParaRPr>
+          </a:p>
+        </p:txBody>
+      </p:sp>
     </p:spTree>
     <p:extLst>
       <p:ext uri="{BB962C8B-B14F-4D97-AF65-F5344CB8AC3E}">
@@ -14133,7 +14335,7 @@
 </p:sld>
 </file>
 
-<file path=ppt/slides/slide13.xml><?xml version="1.0" encoding="utf-8"?>
+<file path=ppt/slides/slide14.xml><?xml version="1.0" encoding="utf-8"?>
 <p:sld xmlns:a="http://schemas.openxmlformats.org/drawingml/2006/main" xmlns:r="http://schemas.openxmlformats.org/officeDocument/2006/relationships" xmlns:p="http://schemas.openxmlformats.org/presentationml/2006/main">
   <p:cSld>
     <p:spTree>
@@ -14308,6 +14510,76 @@
           </a:prstGeom>
         </p:spPr>
       </p:pic>
+      <p:sp>
+        <p:nvSpPr>
+          <p:cNvPr id="5" name="Title 1">
+            <a:extLst>
+              <a:ext uri="{FF2B5EF4-FFF2-40B4-BE49-F238E27FC236}">
+                <a16:creationId xmlns:a16="http://schemas.microsoft.com/office/drawing/2014/main" id="{F30B4976-1ADF-4986-BCA1-A90B15269627}"/>
+              </a:ext>
+            </a:extLst>
+          </p:cNvPr>
+          <p:cNvSpPr txBox="1">
+            <a:spLocks/>
+          </p:cNvSpPr>
+          <p:nvPr/>
+        </p:nvSpPr>
+        <p:spPr>
+          <a:xfrm>
+            <a:off x="7857067" y="5710767"/>
+            <a:ext cx="7417610" cy="872913"/>
+          </a:xfrm>
+          <a:prstGeom prst="rect">
+            <a:avLst/>
+          </a:prstGeom>
+          <a:noFill/>
+          <a:effectLst>
+            <a:outerShdw blurRad="50800" dist="38100" dir="2700000" algn="tl" rotWithShape="0">
+              <a:prstClr val="black">
+                <a:alpha val="40000"/>
+              </a:prstClr>
+            </a:outerShdw>
+          </a:effectLst>
+        </p:spPr>
+        <p:txBody>
+          <a:bodyPr anchor="ctr">
+            <a:normAutofit/>
+          </a:bodyPr>
+          <a:lstStyle>
+            <a:lvl1pPr algn="l" defTabSz="914400" rtl="0" eaLnBrk="1" latinLnBrk="0" hangingPunct="1">
+              <a:lnSpc>
+                <a:spcPct val="90000"/>
+              </a:lnSpc>
+              <a:spcBef>
+                <a:spcPct val="0"/>
+              </a:spcBef>
+              <a:buNone/>
+              <a:defRPr sz="4700" i="0" kern="1200" spc="-50" baseline="0">
+                <a:solidFill>
+                  <a:schemeClr val="tx1">
+                    <a:lumMod val="75000"/>
+                    <a:lumOff val="25000"/>
+                  </a:schemeClr>
+                </a:solidFill>
+                <a:latin typeface="+mj-lt"/>
+                <a:ea typeface="+mj-ea"/>
+                <a:cs typeface="+mj-cs"/>
+              </a:defRPr>
+            </a:lvl1pPr>
+          </a:lstStyle>
+          <a:p>
+            <a:r>
+              <a:rPr lang="en-US" sz="2800" dirty="0">
+                <a:solidFill>
+                  <a:schemeClr val="bg1"/>
+                </a:solidFill>
+                <a:latin typeface="Century Gothic" panose="020B0502020202020204" pitchFamily="34" charset="0"/>
+              </a:rPr>
+              <a:t>Any Questions?</a:t>
+            </a:r>
+          </a:p>
+        </p:txBody>
+      </p:sp>
     </p:spTree>
     <p:extLst>
       <p:ext uri="{BB962C8B-B14F-4D97-AF65-F5344CB8AC3E}">
@@ -14768,8 +15040,8 @@
         </p:nvSpPr>
         <p:spPr>
           <a:xfrm>
-            <a:off x="883920" y="2044005"/>
-            <a:ext cx="10424160" cy="1384995"/>
+            <a:off x="1270000" y="1277372"/>
+            <a:ext cx="10022840" cy="3539430"/>
           </a:xfrm>
           <a:prstGeom prst="rect">
             <a:avLst/>
@@ -14789,18 +15061,26 @@
                 </a:solidFill>
                 <a:latin typeface="Century Gothic" panose="020B0502020202020204" pitchFamily="34" charset="0"/>
               </a:rPr>
-              <a:t>The main goal of this data science research is to answer the following question: </a:t>
+              <a:t>Imagine that we have a chess competition to prepare for and we need to find each player favorite opening move, to increase our chance of winning through data. The main goal of this data science research is to answer the following question: </a:t>
             </a:r>
+          </a:p>
+          <a:p>
+            <a:endParaRPr lang="en-US" sz="2800" dirty="0">
+              <a:solidFill>
+                <a:srgbClr val="30383B"/>
+              </a:solidFill>
+              <a:latin typeface="Century Gothic" panose="020B0502020202020204" pitchFamily="34" charset="0"/>
+            </a:endParaRPr>
           </a:p>
           <a:p>
             <a:r>
               <a:rPr lang="en-US" sz="2800" dirty="0">
                 <a:solidFill>
-                  <a:srgbClr val="30383B"/>
+                  <a:srgbClr val="511A75"/>
                 </a:solidFill>
                 <a:latin typeface="Century Gothic" panose="020B0502020202020204" pitchFamily="34" charset="0"/>
               </a:rPr>
-              <a:t>Predict the winner based on the current dataset </a:t>
+              <a:t>Can I Predict the winner of a chess match using ML and past games dataset ?</a:t>
             </a:r>
           </a:p>
         </p:txBody>
@@ -14890,13 +15170,13 @@
           <p:nvPr>
             <p:extLst>
               <p:ext uri="{D42A27DB-BD31-4B8C-83A1-F6EECF244321}">
-                <p14:modId xmlns:p14="http://schemas.microsoft.com/office/powerpoint/2010/main" val="3517928299"/>
+                <p14:modId xmlns:p14="http://schemas.microsoft.com/office/powerpoint/2010/main" val="3410622112"/>
               </p:ext>
             </p:extLst>
           </p:nvPr>
         </p:nvGraphicFramePr>
         <p:xfrm>
-          <a:off x="685800" y="2255521"/>
+          <a:off x="563880" y="1930229"/>
           <a:ext cx="10759440" cy="4053843"/>
         </p:xfrm>
         <a:graphic>
@@ -14992,13 +15272,13 @@
                     <a:p>
                       <a:pPr algn="l" fontAlgn="ctr"/>
                       <a:r>
-                        <a:rPr lang="en-US" sz="1200" u="none" strike="noStrike">
+                        <a:rPr lang="en-US" sz="1200" u="none" strike="noStrike" dirty="0">
                           <a:effectLst/>
                           <a:latin typeface="Century Gothic" panose="020B0502020202020204" pitchFamily="34" charset="0"/>
                         </a:rPr>
                         <a:t>Game ID</a:t>
                       </a:r>
-                      <a:endParaRPr lang="en-US" sz="1200" b="1" i="0" u="none" strike="noStrike">
+                      <a:endParaRPr lang="en-US" sz="1200" b="1" i="0" u="none" strike="noStrike" dirty="0">
                         <a:solidFill>
                           <a:srgbClr val="000000"/>
                         </a:solidFill>
@@ -15007,7 +15287,17 @@
                       </a:endParaRPr>
                     </a:p>
                   </a:txBody>
-                  <a:tcPr marL="82766" marR="6897" marT="6897" marB="0" anchor="ctr"/>
+                  <a:tcPr marL="82766" marR="6897" marT="6897" marB="0" anchor="ctr">
+                    <a:lnB w="12700" cap="flat" cmpd="sng" algn="ctr">
+                      <a:solidFill>
+                        <a:schemeClr val="tx1"/>
+                      </a:solidFill>
+                      <a:prstDash val="solid"/>
+                      <a:round/>
+                      <a:headEnd type="none" w="med" len="med"/>
+                      <a:tailEnd type="none" w="med" len="med"/>
+                    </a:lnB>
+                  </a:tcPr>
                 </a:tc>
                 <a:tc>
                   <a:txBody>
@@ -15031,7 +15321,17 @@
                       </a:endParaRPr>
                     </a:p>
                   </a:txBody>
-                  <a:tcPr marL="6897" marR="6897" marT="6897" marB="0" anchor="b"/>
+                  <a:tcPr marL="6897" marR="6897" marT="6897" marB="0" anchor="b">
+                    <a:lnB w="12700" cap="flat" cmpd="sng" algn="ctr">
+                      <a:solidFill>
+                        <a:schemeClr val="tx1"/>
+                      </a:solidFill>
+                      <a:prstDash val="solid"/>
+                      <a:round/>
+                      <a:headEnd type="none" w="med" len="med"/>
+                      <a:tailEnd type="none" w="med" len="med"/>
+                    </a:lnB>
+                  </a:tcPr>
                 </a:tc>
                 <a:extLst>
                   <a:ext uri="{0D108BD9-81ED-4DB2-BD59-A6C34878D82A}">
@@ -15047,13 +15347,13 @@
                     <a:p>
                       <a:pPr algn="l" fontAlgn="ctr"/>
                       <a:r>
-                        <a:rPr lang="en-US" sz="1200" u="none" strike="noStrike">
+                        <a:rPr lang="en-US" sz="1200" u="none" strike="noStrike" dirty="0">
                           <a:effectLst/>
                           <a:latin typeface="Century Gothic" panose="020B0502020202020204" pitchFamily="34" charset="0"/>
                         </a:rPr>
                         <a:t>Rated (T/F)</a:t>
                       </a:r>
-                      <a:endParaRPr lang="en-US" sz="1200" b="1" i="0" u="none" strike="noStrike">
+                      <a:endParaRPr lang="en-US" sz="1200" b="1" i="0" u="none" strike="noStrike" dirty="0">
                         <a:solidFill>
                           <a:srgbClr val="000000"/>
                         </a:solidFill>
@@ -15062,7 +15362,26 @@
                       </a:endParaRPr>
                     </a:p>
                   </a:txBody>
-                  <a:tcPr marL="82766" marR="6897" marT="6897" marB="0" anchor="ctr"/>
+                  <a:tcPr marL="82766" marR="6897" marT="6897" marB="0" anchor="ctr">
+                    <a:lnT w="12700" cap="flat" cmpd="sng" algn="ctr">
+                      <a:solidFill>
+                        <a:schemeClr val="tx1"/>
+                      </a:solidFill>
+                      <a:prstDash val="solid"/>
+                      <a:round/>
+                      <a:headEnd type="none" w="med" len="med"/>
+                      <a:tailEnd type="none" w="med" len="med"/>
+                    </a:lnT>
+                    <a:lnB w="12700" cap="flat" cmpd="sng" algn="ctr">
+                      <a:solidFill>
+                        <a:schemeClr val="tx1"/>
+                      </a:solidFill>
+                      <a:prstDash val="solid"/>
+                      <a:round/>
+                      <a:headEnd type="none" w="med" len="med"/>
+                      <a:tailEnd type="none" w="med" len="med"/>
+                    </a:lnB>
+                  </a:tcPr>
                 </a:tc>
                 <a:tc>
                   <a:txBody>
@@ -15086,7 +15405,26 @@
                       </a:endParaRPr>
                     </a:p>
                   </a:txBody>
-                  <a:tcPr marL="6897" marR="6897" marT="6897" marB="0" anchor="b"/>
+                  <a:tcPr marL="6897" marR="6897" marT="6897" marB="0" anchor="b">
+                    <a:lnT w="12700" cap="flat" cmpd="sng" algn="ctr">
+                      <a:solidFill>
+                        <a:schemeClr val="tx1"/>
+                      </a:solidFill>
+                      <a:prstDash val="solid"/>
+                      <a:round/>
+                      <a:headEnd type="none" w="med" len="med"/>
+                      <a:tailEnd type="none" w="med" len="med"/>
+                    </a:lnT>
+                    <a:lnB w="12700" cap="flat" cmpd="sng" algn="ctr">
+                      <a:solidFill>
+                        <a:schemeClr val="tx1"/>
+                      </a:solidFill>
+                      <a:prstDash val="solid"/>
+                      <a:round/>
+                      <a:headEnd type="none" w="med" len="med"/>
+                      <a:tailEnd type="none" w="med" len="med"/>
+                    </a:lnB>
+                  </a:tcPr>
                 </a:tc>
                 <a:extLst>
                   <a:ext uri="{0D108BD9-81ED-4DB2-BD59-A6C34878D82A}">
@@ -15102,13 +15440,13 @@
                     <a:p>
                       <a:pPr algn="l" fontAlgn="ctr"/>
                       <a:r>
-                        <a:rPr lang="en-US" sz="1200" u="none" strike="noStrike">
+                        <a:rPr lang="en-US" sz="1200" u="none" strike="noStrike" dirty="0">
                           <a:effectLst/>
                           <a:latin typeface="Century Gothic" panose="020B0502020202020204" pitchFamily="34" charset="0"/>
                         </a:rPr>
                         <a:t>Start Time</a:t>
                       </a:r>
-                      <a:endParaRPr lang="en-US" sz="1200" b="1" i="0" u="none" strike="noStrike">
+                      <a:endParaRPr lang="en-US" sz="1200" b="1" i="0" u="none" strike="noStrike" dirty="0">
                         <a:solidFill>
                           <a:srgbClr val="000000"/>
                         </a:solidFill>
@@ -15117,7 +15455,26 @@
                       </a:endParaRPr>
                     </a:p>
                   </a:txBody>
-                  <a:tcPr marL="82766" marR="6897" marT="6897" marB="0" anchor="ctr"/>
+                  <a:tcPr marL="82766" marR="6897" marT="6897" marB="0" anchor="ctr">
+                    <a:lnT w="12700" cap="flat" cmpd="sng" algn="ctr">
+                      <a:solidFill>
+                        <a:schemeClr val="tx1"/>
+                      </a:solidFill>
+                      <a:prstDash val="solid"/>
+                      <a:round/>
+                      <a:headEnd type="none" w="med" len="med"/>
+                      <a:tailEnd type="none" w="med" len="med"/>
+                    </a:lnT>
+                    <a:lnB w="12700" cap="flat" cmpd="sng" algn="ctr">
+                      <a:solidFill>
+                        <a:schemeClr val="tx1"/>
+                      </a:solidFill>
+                      <a:prstDash val="solid"/>
+                      <a:round/>
+                      <a:headEnd type="none" w="med" len="med"/>
+                      <a:tailEnd type="none" w="med" len="med"/>
+                    </a:lnB>
+                  </a:tcPr>
                 </a:tc>
                 <a:tc>
                   <a:txBody>
@@ -15141,7 +15498,26 @@
                       </a:endParaRPr>
                     </a:p>
                   </a:txBody>
-                  <a:tcPr marL="6897" marR="6897" marT="6897" marB="0" anchor="b"/>
+                  <a:tcPr marL="6897" marR="6897" marT="6897" marB="0" anchor="b">
+                    <a:lnT w="12700" cap="flat" cmpd="sng" algn="ctr">
+                      <a:solidFill>
+                        <a:schemeClr val="tx1"/>
+                      </a:solidFill>
+                      <a:prstDash val="solid"/>
+                      <a:round/>
+                      <a:headEnd type="none" w="med" len="med"/>
+                      <a:tailEnd type="none" w="med" len="med"/>
+                    </a:lnT>
+                    <a:lnB w="12700" cap="flat" cmpd="sng" algn="ctr">
+                      <a:solidFill>
+                        <a:schemeClr val="tx1"/>
+                      </a:solidFill>
+                      <a:prstDash val="solid"/>
+                      <a:round/>
+                      <a:headEnd type="none" w="med" len="med"/>
+                      <a:tailEnd type="none" w="med" len="med"/>
+                    </a:lnB>
+                  </a:tcPr>
                 </a:tc>
                 <a:extLst>
                   <a:ext uri="{0D108BD9-81ED-4DB2-BD59-A6C34878D82A}">
@@ -15157,13 +15533,13 @@
                     <a:p>
                       <a:pPr algn="l" fontAlgn="ctr"/>
                       <a:r>
-                        <a:rPr lang="en-US" sz="1200" u="none" strike="noStrike">
+                        <a:rPr lang="en-US" sz="1200" u="none" strike="noStrike" dirty="0">
                           <a:effectLst/>
                           <a:latin typeface="Century Gothic" panose="020B0502020202020204" pitchFamily="34" charset="0"/>
                         </a:rPr>
                         <a:t>End Time</a:t>
                       </a:r>
-                      <a:endParaRPr lang="en-US" sz="1200" b="1" i="0" u="none" strike="noStrike">
+                      <a:endParaRPr lang="en-US" sz="1200" b="1" i="0" u="none" strike="noStrike" dirty="0">
                         <a:solidFill>
                           <a:srgbClr val="000000"/>
                         </a:solidFill>
@@ -15172,7 +15548,26 @@
                       </a:endParaRPr>
                     </a:p>
                   </a:txBody>
-                  <a:tcPr marL="82766" marR="6897" marT="6897" marB="0" anchor="ctr"/>
+                  <a:tcPr marL="82766" marR="6897" marT="6897" marB="0" anchor="ctr">
+                    <a:lnT w="12700" cap="flat" cmpd="sng" algn="ctr">
+                      <a:solidFill>
+                        <a:schemeClr val="tx1"/>
+                      </a:solidFill>
+                      <a:prstDash val="solid"/>
+                      <a:round/>
+                      <a:headEnd type="none" w="med" len="med"/>
+                      <a:tailEnd type="none" w="med" len="med"/>
+                    </a:lnT>
+                    <a:lnB w="12700" cap="flat" cmpd="sng" algn="ctr">
+                      <a:solidFill>
+                        <a:schemeClr val="tx1"/>
+                      </a:solidFill>
+                      <a:prstDash val="solid"/>
+                      <a:round/>
+                      <a:headEnd type="none" w="med" len="med"/>
+                      <a:tailEnd type="none" w="med" len="med"/>
+                    </a:lnB>
+                  </a:tcPr>
                 </a:tc>
                 <a:tc>
                   <a:txBody>
@@ -15196,7 +15591,26 @@
                       </a:endParaRPr>
                     </a:p>
                   </a:txBody>
-                  <a:tcPr marL="6897" marR="6897" marT="6897" marB="0" anchor="b"/>
+                  <a:tcPr marL="6897" marR="6897" marT="6897" marB="0" anchor="b">
+                    <a:lnT w="12700" cap="flat" cmpd="sng" algn="ctr">
+                      <a:solidFill>
+                        <a:schemeClr val="tx1"/>
+                      </a:solidFill>
+                      <a:prstDash val="solid"/>
+                      <a:round/>
+                      <a:headEnd type="none" w="med" len="med"/>
+                      <a:tailEnd type="none" w="med" len="med"/>
+                    </a:lnT>
+                    <a:lnB w="12700" cap="flat" cmpd="sng" algn="ctr">
+                      <a:solidFill>
+                        <a:schemeClr val="tx1"/>
+                      </a:solidFill>
+                      <a:prstDash val="solid"/>
+                      <a:round/>
+                      <a:headEnd type="none" w="med" len="med"/>
+                      <a:tailEnd type="none" w="med" len="med"/>
+                    </a:lnB>
+                  </a:tcPr>
                 </a:tc>
                 <a:extLst>
                   <a:ext uri="{0D108BD9-81ED-4DB2-BD59-A6C34878D82A}">
@@ -15227,7 +15641,26 @@
                       </a:endParaRPr>
                     </a:p>
                   </a:txBody>
-                  <a:tcPr marL="82766" marR="6897" marT="6897" marB="0" anchor="ctr"/>
+                  <a:tcPr marL="82766" marR="6897" marT="6897" marB="0" anchor="ctr">
+                    <a:lnT w="12700" cap="flat" cmpd="sng" algn="ctr">
+                      <a:solidFill>
+                        <a:schemeClr val="tx1"/>
+                      </a:solidFill>
+                      <a:prstDash val="solid"/>
+                      <a:round/>
+                      <a:headEnd type="none" w="med" len="med"/>
+                      <a:tailEnd type="none" w="med" len="med"/>
+                    </a:lnT>
+                    <a:lnB w="12700" cap="flat" cmpd="sng" algn="ctr">
+                      <a:solidFill>
+                        <a:schemeClr val="tx1"/>
+                      </a:solidFill>
+                      <a:prstDash val="solid"/>
+                      <a:round/>
+                      <a:headEnd type="none" w="med" len="med"/>
+                      <a:tailEnd type="none" w="med" len="med"/>
+                    </a:lnB>
+                  </a:tcPr>
                 </a:tc>
                 <a:tc>
                   <a:txBody>
@@ -15251,7 +15684,26 @@
                       </a:endParaRPr>
                     </a:p>
                   </a:txBody>
-                  <a:tcPr marL="6897" marR="6897" marT="6897" marB="0" anchor="b"/>
+                  <a:tcPr marL="6897" marR="6897" marT="6897" marB="0" anchor="b">
+                    <a:lnT w="12700" cap="flat" cmpd="sng" algn="ctr">
+                      <a:solidFill>
+                        <a:schemeClr val="tx1"/>
+                      </a:solidFill>
+                      <a:prstDash val="solid"/>
+                      <a:round/>
+                      <a:headEnd type="none" w="med" len="med"/>
+                      <a:tailEnd type="none" w="med" len="med"/>
+                    </a:lnT>
+                    <a:lnB w="12700" cap="flat" cmpd="sng" algn="ctr">
+                      <a:solidFill>
+                        <a:schemeClr val="tx1"/>
+                      </a:solidFill>
+                      <a:prstDash val="solid"/>
+                      <a:round/>
+                      <a:headEnd type="none" w="med" len="med"/>
+                      <a:tailEnd type="none" w="med" len="med"/>
+                    </a:lnB>
+                  </a:tcPr>
                 </a:tc>
                 <a:extLst>
                   <a:ext uri="{0D108BD9-81ED-4DB2-BD59-A6C34878D82A}">
@@ -15282,7 +15734,26 @@
                       </a:endParaRPr>
                     </a:p>
                   </a:txBody>
-                  <a:tcPr marL="82766" marR="6897" marT="6897" marB="0" anchor="ctr"/>
+                  <a:tcPr marL="82766" marR="6897" marT="6897" marB="0" anchor="ctr">
+                    <a:lnT w="12700" cap="flat" cmpd="sng" algn="ctr">
+                      <a:solidFill>
+                        <a:schemeClr val="tx1"/>
+                      </a:solidFill>
+                      <a:prstDash val="solid"/>
+                      <a:round/>
+                      <a:headEnd type="none" w="med" len="med"/>
+                      <a:tailEnd type="none" w="med" len="med"/>
+                    </a:lnT>
+                    <a:lnB w="12700" cap="flat" cmpd="sng" algn="ctr">
+                      <a:solidFill>
+                        <a:schemeClr val="tx1"/>
+                      </a:solidFill>
+                      <a:prstDash val="solid"/>
+                      <a:round/>
+                      <a:headEnd type="none" w="med" len="med"/>
+                      <a:tailEnd type="none" w="med" len="med"/>
+                    </a:lnB>
+                  </a:tcPr>
                 </a:tc>
                 <a:tc>
                   <a:txBody>
@@ -15306,7 +15777,26 @@
                       </a:endParaRPr>
                     </a:p>
                   </a:txBody>
-                  <a:tcPr marL="6897" marR="6897" marT="6897" marB="0" anchor="b"/>
+                  <a:tcPr marL="6897" marR="6897" marT="6897" marB="0" anchor="b">
+                    <a:lnT w="12700" cap="flat" cmpd="sng" algn="ctr">
+                      <a:solidFill>
+                        <a:schemeClr val="tx1"/>
+                      </a:solidFill>
+                      <a:prstDash val="solid"/>
+                      <a:round/>
+                      <a:headEnd type="none" w="med" len="med"/>
+                      <a:tailEnd type="none" w="med" len="med"/>
+                    </a:lnT>
+                    <a:lnB w="12700" cap="flat" cmpd="sng" algn="ctr">
+                      <a:solidFill>
+                        <a:schemeClr val="tx1"/>
+                      </a:solidFill>
+                      <a:prstDash val="solid"/>
+                      <a:round/>
+                      <a:headEnd type="none" w="med" len="med"/>
+                      <a:tailEnd type="none" w="med" len="med"/>
+                    </a:lnB>
+                  </a:tcPr>
                 </a:tc>
                 <a:extLst>
                   <a:ext uri="{0D108BD9-81ED-4DB2-BD59-A6C34878D82A}">
@@ -15337,7 +15827,26 @@
                       </a:endParaRPr>
                     </a:p>
                   </a:txBody>
-                  <a:tcPr marL="82766" marR="6897" marT="6897" marB="0" anchor="ctr"/>
+                  <a:tcPr marL="82766" marR="6897" marT="6897" marB="0" anchor="ctr">
+                    <a:lnT w="12700" cap="flat" cmpd="sng" algn="ctr">
+                      <a:solidFill>
+                        <a:schemeClr val="tx1"/>
+                      </a:solidFill>
+                      <a:prstDash val="solid"/>
+                      <a:round/>
+                      <a:headEnd type="none" w="med" len="med"/>
+                      <a:tailEnd type="none" w="med" len="med"/>
+                    </a:lnT>
+                    <a:lnB w="12700" cap="flat" cmpd="sng" algn="ctr">
+                      <a:solidFill>
+                        <a:schemeClr val="tx1"/>
+                      </a:solidFill>
+                      <a:prstDash val="solid"/>
+                      <a:round/>
+                      <a:headEnd type="none" w="med" len="med"/>
+                      <a:tailEnd type="none" w="med" len="med"/>
+                    </a:lnB>
+                  </a:tcPr>
                 </a:tc>
                 <a:tc>
                   <a:txBody>
@@ -15361,7 +15870,26 @@
                       </a:endParaRPr>
                     </a:p>
                   </a:txBody>
-                  <a:tcPr marL="6897" marR="6897" marT="6897" marB="0" anchor="b"/>
+                  <a:tcPr marL="6897" marR="6897" marT="6897" marB="0" anchor="b">
+                    <a:lnT w="12700" cap="flat" cmpd="sng" algn="ctr">
+                      <a:solidFill>
+                        <a:schemeClr val="tx1"/>
+                      </a:solidFill>
+                      <a:prstDash val="solid"/>
+                      <a:round/>
+                      <a:headEnd type="none" w="med" len="med"/>
+                      <a:tailEnd type="none" w="med" len="med"/>
+                    </a:lnT>
+                    <a:lnB w="12700" cap="flat" cmpd="sng" algn="ctr">
+                      <a:solidFill>
+                        <a:schemeClr val="tx1"/>
+                      </a:solidFill>
+                      <a:prstDash val="solid"/>
+                      <a:round/>
+                      <a:headEnd type="none" w="med" len="med"/>
+                      <a:tailEnd type="none" w="med" len="med"/>
+                    </a:lnB>
+                  </a:tcPr>
                 </a:tc>
                 <a:extLst>
                   <a:ext uri="{0D108BD9-81ED-4DB2-BD59-A6C34878D82A}">
@@ -15392,7 +15920,26 @@
                       </a:endParaRPr>
                     </a:p>
                   </a:txBody>
-                  <a:tcPr marL="82766" marR="6897" marT="6897" marB="0" anchor="ctr"/>
+                  <a:tcPr marL="82766" marR="6897" marT="6897" marB="0" anchor="ctr">
+                    <a:lnT w="12700" cap="flat" cmpd="sng" algn="ctr">
+                      <a:solidFill>
+                        <a:schemeClr val="tx1"/>
+                      </a:solidFill>
+                      <a:prstDash val="solid"/>
+                      <a:round/>
+                      <a:headEnd type="none" w="med" len="med"/>
+                      <a:tailEnd type="none" w="med" len="med"/>
+                    </a:lnT>
+                    <a:lnB w="12700" cap="flat" cmpd="sng" algn="ctr">
+                      <a:solidFill>
+                        <a:schemeClr val="tx1"/>
+                      </a:solidFill>
+                      <a:prstDash val="solid"/>
+                      <a:round/>
+                      <a:headEnd type="none" w="med" len="med"/>
+                      <a:tailEnd type="none" w="med" len="med"/>
+                    </a:lnB>
+                  </a:tcPr>
                 </a:tc>
                 <a:tc>
                   <a:txBody>
@@ -15416,7 +15963,26 @@
                       </a:endParaRPr>
                     </a:p>
                   </a:txBody>
-                  <a:tcPr marL="6897" marR="6897" marT="6897" marB="0" anchor="b"/>
+                  <a:tcPr marL="6897" marR="6897" marT="6897" marB="0" anchor="b">
+                    <a:lnT w="12700" cap="flat" cmpd="sng" algn="ctr">
+                      <a:solidFill>
+                        <a:schemeClr val="tx1"/>
+                      </a:solidFill>
+                      <a:prstDash val="solid"/>
+                      <a:round/>
+                      <a:headEnd type="none" w="med" len="med"/>
+                      <a:tailEnd type="none" w="med" len="med"/>
+                    </a:lnT>
+                    <a:lnB w="12700" cap="flat" cmpd="sng" algn="ctr">
+                      <a:solidFill>
+                        <a:schemeClr val="tx1"/>
+                      </a:solidFill>
+                      <a:prstDash val="solid"/>
+                      <a:round/>
+                      <a:headEnd type="none" w="med" len="med"/>
+                      <a:tailEnd type="none" w="med" len="med"/>
+                    </a:lnB>
+                  </a:tcPr>
                 </a:tc>
                 <a:extLst>
                   <a:ext uri="{0D108BD9-81ED-4DB2-BD59-A6C34878D82A}">
@@ -15447,7 +16013,26 @@
                       </a:endParaRPr>
                     </a:p>
                   </a:txBody>
-                  <a:tcPr marL="82766" marR="6897" marT="6897" marB="0" anchor="ctr"/>
+                  <a:tcPr marL="82766" marR="6897" marT="6897" marB="0" anchor="ctr">
+                    <a:lnT w="12700" cap="flat" cmpd="sng" algn="ctr">
+                      <a:solidFill>
+                        <a:schemeClr val="tx1"/>
+                      </a:solidFill>
+                      <a:prstDash val="solid"/>
+                      <a:round/>
+                      <a:headEnd type="none" w="med" len="med"/>
+                      <a:tailEnd type="none" w="med" len="med"/>
+                    </a:lnT>
+                    <a:lnB w="12700" cap="flat" cmpd="sng" algn="ctr">
+                      <a:solidFill>
+                        <a:schemeClr val="tx1"/>
+                      </a:solidFill>
+                      <a:prstDash val="solid"/>
+                      <a:round/>
+                      <a:headEnd type="none" w="med" len="med"/>
+                      <a:tailEnd type="none" w="med" len="med"/>
+                    </a:lnB>
+                  </a:tcPr>
                 </a:tc>
                 <a:tc>
                   <a:txBody>
@@ -15471,7 +16056,26 @@
                       </a:endParaRPr>
                     </a:p>
                   </a:txBody>
-                  <a:tcPr marL="6897" marR="6897" marT="6897" marB="0" anchor="b"/>
+                  <a:tcPr marL="6897" marR="6897" marT="6897" marB="0" anchor="b">
+                    <a:lnT w="12700" cap="flat" cmpd="sng" algn="ctr">
+                      <a:solidFill>
+                        <a:schemeClr val="tx1"/>
+                      </a:solidFill>
+                      <a:prstDash val="solid"/>
+                      <a:round/>
+                      <a:headEnd type="none" w="med" len="med"/>
+                      <a:tailEnd type="none" w="med" len="med"/>
+                    </a:lnT>
+                    <a:lnB w="12700" cap="flat" cmpd="sng" algn="ctr">
+                      <a:solidFill>
+                        <a:schemeClr val="tx1"/>
+                      </a:solidFill>
+                      <a:prstDash val="solid"/>
+                      <a:round/>
+                      <a:headEnd type="none" w="med" len="med"/>
+                      <a:tailEnd type="none" w="med" len="med"/>
+                    </a:lnB>
+                  </a:tcPr>
                 </a:tc>
                 <a:extLst>
                   <a:ext uri="{0D108BD9-81ED-4DB2-BD59-A6C34878D82A}">
@@ -15502,7 +16106,26 @@
                       </a:endParaRPr>
                     </a:p>
                   </a:txBody>
-                  <a:tcPr marL="82766" marR="6897" marT="6897" marB="0" anchor="ctr"/>
+                  <a:tcPr marL="82766" marR="6897" marT="6897" marB="0" anchor="ctr">
+                    <a:lnT w="12700" cap="flat" cmpd="sng" algn="ctr">
+                      <a:solidFill>
+                        <a:schemeClr val="tx1"/>
+                      </a:solidFill>
+                      <a:prstDash val="solid"/>
+                      <a:round/>
+                      <a:headEnd type="none" w="med" len="med"/>
+                      <a:tailEnd type="none" w="med" len="med"/>
+                    </a:lnT>
+                    <a:lnB w="12700" cap="flat" cmpd="sng" algn="ctr">
+                      <a:solidFill>
+                        <a:schemeClr val="tx1"/>
+                      </a:solidFill>
+                      <a:prstDash val="solid"/>
+                      <a:round/>
+                      <a:headEnd type="none" w="med" len="med"/>
+                      <a:tailEnd type="none" w="med" len="med"/>
+                    </a:lnB>
+                  </a:tcPr>
                 </a:tc>
                 <a:tc>
                   <a:txBody>
@@ -15526,7 +16149,26 @@
                       </a:endParaRPr>
                     </a:p>
                   </a:txBody>
-                  <a:tcPr marL="6897" marR="6897" marT="6897" marB="0" anchor="b"/>
+                  <a:tcPr marL="6897" marR="6897" marT="6897" marB="0" anchor="b">
+                    <a:lnT w="12700" cap="flat" cmpd="sng" algn="ctr">
+                      <a:solidFill>
+                        <a:schemeClr val="tx1"/>
+                      </a:solidFill>
+                      <a:prstDash val="solid"/>
+                      <a:round/>
+                      <a:headEnd type="none" w="med" len="med"/>
+                      <a:tailEnd type="none" w="med" len="med"/>
+                    </a:lnT>
+                    <a:lnB w="12700" cap="flat" cmpd="sng" algn="ctr">
+                      <a:solidFill>
+                        <a:schemeClr val="tx1"/>
+                      </a:solidFill>
+                      <a:prstDash val="solid"/>
+                      <a:round/>
+                      <a:headEnd type="none" w="med" len="med"/>
+                      <a:tailEnd type="none" w="med" len="med"/>
+                    </a:lnB>
+                  </a:tcPr>
                 </a:tc>
                 <a:extLst>
                   <a:ext uri="{0D108BD9-81ED-4DB2-BD59-A6C34878D82A}">
@@ -15557,7 +16199,26 @@
                       </a:endParaRPr>
                     </a:p>
                   </a:txBody>
-                  <a:tcPr marL="82766" marR="6897" marT="6897" marB="0" anchor="ctr"/>
+                  <a:tcPr marL="82766" marR="6897" marT="6897" marB="0" anchor="ctr">
+                    <a:lnT w="12700" cap="flat" cmpd="sng" algn="ctr">
+                      <a:solidFill>
+                        <a:schemeClr val="tx1"/>
+                      </a:solidFill>
+                      <a:prstDash val="solid"/>
+                      <a:round/>
+                      <a:headEnd type="none" w="med" len="med"/>
+                      <a:tailEnd type="none" w="med" len="med"/>
+                    </a:lnT>
+                    <a:lnB w="12700" cap="flat" cmpd="sng" algn="ctr">
+                      <a:solidFill>
+                        <a:schemeClr val="tx1"/>
+                      </a:solidFill>
+                      <a:prstDash val="solid"/>
+                      <a:round/>
+                      <a:headEnd type="none" w="med" len="med"/>
+                      <a:tailEnd type="none" w="med" len="med"/>
+                    </a:lnB>
+                  </a:tcPr>
                 </a:tc>
                 <a:tc>
                   <a:txBody>
@@ -15581,7 +16242,26 @@
                       </a:endParaRPr>
                     </a:p>
                   </a:txBody>
-                  <a:tcPr marL="6897" marR="6897" marT="6897" marB="0" anchor="b"/>
+                  <a:tcPr marL="6897" marR="6897" marT="6897" marB="0" anchor="b">
+                    <a:lnT w="12700" cap="flat" cmpd="sng" algn="ctr">
+                      <a:solidFill>
+                        <a:schemeClr val="tx1"/>
+                      </a:solidFill>
+                      <a:prstDash val="solid"/>
+                      <a:round/>
+                      <a:headEnd type="none" w="med" len="med"/>
+                      <a:tailEnd type="none" w="med" len="med"/>
+                    </a:lnT>
+                    <a:lnB w="12700" cap="flat" cmpd="sng" algn="ctr">
+                      <a:solidFill>
+                        <a:schemeClr val="tx1"/>
+                      </a:solidFill>
+                      <a:prstDash val="solid"/>
+                      <a:round/>
+                      <a:headEnd type="none" w="med" len="med"/>
+                      <a:tailEnd type="none" w="med" len="med"/>
+                    </a:lnB>
+                  </a:tcPr>
                 </a:tc>
                 <a:extLst>
                   <a:ext uri="{0D108BD9-81ED-4DB2-BD59-A6C34878D82A}">
@@ -15612,7 +16292,26 @@
                       </a:endParaRPr>
                     </a:p>
                   </a:txBody>
-                  <a:tcPr marL="82766" marR="6897" marT="6897" marB="0" anchor="ctr"/>
+                  <a:tcPr marL="82766" marR="6897" marT="6897" marB="0" anchor="ctr">
+                    <a:lnT w="12700" cap="flat" cmpd="sng" algn="ctr">
+                      <a:solidFill>
+                        <a:schemeClr val="tx1"/>
+                      </a:solidFill>
+                      <a:prstDash val="solid"/>
+                      <a:round/>
+                      <a:headEnd type="none" w="med" len="med"/>
+                      <a:tailEnd type="none" w="med" len="med"/>
+                    </a:lnT>
+                    <a:lnB w="12700" cap="flat" cmpd="sng" algn="ctr">
+                      <a:solidFill>
+                        <a:schemeClr val="tx1"/>
+                      </a:solidFill>
+                      <a:prstDash val="solid"/>
+                      <a:round/>
+                      <a:headEnd type="none" w="med" len="med"/>
+                      <a:tailEnd type="none" w="med" len="med"/>
+                    </a:lnB>
+                  </a:tcPr>
                 </a:tc>
                 <a:tc>
                   <a:txBody>
@@ -15636,7 +16335,26 @@
                       </a:endParaRPr>
                     </a:p>
                   </a:txBody>
-                  <a:tcPr marL="6897" marR="6897" marT="6897" marB="0" anchor="b"/>
+                  <a:tcPr marL="6897" marR="6897" marT="6897" marB="0" anchor="b">
+                    <a:lnT w="12700" cap="flat" cmpd="sng" algn="ctr">
+                      <a:solidFill>
+                        <a:schemeClr val="tx1"/>
+                      </a:solidFill>
+                      <a:prstDash val="solid"/>
+                      <a:round/>
+                      <a:headEnd type="none" w="med" len="med"/>
+                      <a:tailEnd type="none" w="med" len="med"/>
+                    </a:lnT>
+                    <a:lnB w="12700" cap="flat" cmpd="sng" algn="ctr">
+                      <a:solidFill>
+                        <a:schemeClr val="tx1"/>
+                      </a:solidFill>
+                      <a:prstDash val="solid"/>
+                      <a:round/>
+                      <a:headEnd type="none" w="med" len="med"/>
+                      <a:tailEnd type="none" w="med" len="med"/>
+                    </a:lnB>
+                  </a:tcPr>
                 </a:tc>
                 <a:extLst>
                   <a:ext uri="{0D108BD9-81ED-4DB2-BD59-A6C34878D82A}">
@@ -15667,7 +16385,26 @@
                       </a:endParaRPr>
                     </a:p>
                   </a:txBody>
-                  <a:tcPr marL="82766" marR="6897" marT="6897" marB="0" anchor="ctr"/>
+                  <a:tcPr marL="82766" marR="6897" marT="6897" marB="0" anchor="ctr">
+                    <a:lnT w="12700" cap="flat" cmpd="sng" algn="ctr">
+                      <a:solidFill>
+                        <a:schemeClr val="tx1"/>
+                      </a:solidFill>
+                      <a:prstDash val="solid"/>
+                      <a:round/>
+                      <a:headEnd type="none" w="med" len="med"/>
+                      <a:tailEnd type="none" w="med" len="med"/>
+                    </a:lnT>
+                    <a:lnB w="12700" cap="flat" cmpd="sng" algn="ctr">
+                      <a:solidFill>
+                        <a:schemeClr val="tx1"/>
+                      </a:solidFill>
+                      <a:prstDash val="solid"/>
+                      <a:round/>
+                      <a:headEnd type="none" w="med" len="med"/>
+                      <a:tailEnd type="none" w="med" len="med"/>
+                    </a:lnB>
+                  </a:tcPr>
                 </a:tc>
                 <a:tc>
                   <a:txBody>
@@ -15691,7 +16428,26 @@
                       </a:endParaRPr>
                     </a:p>
                   </a:txBody>
-                  <a:tcPr marL="6897" marR="6897" marT="6897" marB="0" anchor="b"/>
+                  <a:tcPr marL="6897" marR="6897" marT="6897" marB="0" anchor="b">
+                    <a:lnT w="12700" cap="flat" cmpd="sng" algn="ctr">
+                      <a:solidFill>
+                        <a:schemeClr val="tx1"/>
+                      </a:solidFill>
+                      <a:prstDash val="solid"/>
+                      <a:round/>
+                      <a:headEnd type="none" w="med" len="med"/>
+                      <a:tailEnd type="none" w="med" len="med"/>
+                    </a:lnT>
+                    <a:lnB w="12700" cap="flat" cmpd="sng" algn="ctr">
+                      <a:solidFill>
+                        <a:schemeClr val="tx1"/>
+                      </a:solidFill>
+                      <a:prstDash val="solid"/>
+                      <a:round/>
+                      <a:headEnd type="none" w="med" len="med"/>
+                      <a:tailEnd type="none" w="med" len="med"/>
+                    </a:lnB>
+                  </a:tcPr>
                 </a:tc>
                 <a:extLst>
                   <a:ext uri="{0D108BD9-81ED-4DB2-BD59-A6C34878D82A}">
@@ -15722,7 +16478,26 @@
                       </a:endParaRPr>
                     </a:p>
                   </a:txBody>
-                  <a:tcPr marL="82766" marR="6897" marT="6897" marB="0" anchor="ctr"/>
+                  <a:tcPr marL="82766" marR="6897" marT="6897" marB="0" anchor="ctr">
+                    <a:lnT w="12700" cap="flat" cmpd="sng" algn="ctr">
+                      <a:solidFill>
+                        <a:schemeClr val="tx1"/>
+                      </a:solidFill>
+                      <a:prstDash val="solid"/>
+                      <a:round/>
+                      <a:headEnd type="none" w="med" len="med"/>
+                      <a:tailEnd type="none" w="med" len="med"/>
+                    </a:lnT>
+                    <a:lnB w="12700" cap="flat" cmpd="sng" algn="ctr">
+                      <a:solidFill>
+                        <a:schemeClr val="tx1"/>
+                      </a:solidFill>
+                      <a:prstDash val="solid"/>
+                      <a:round/>
+                      <a:headEnd type="none" w="med" len="med"/>
+                      <a:tailEnd type="none" w="med" len="med"/>
+                    </a:lnB>
+                  </a:tcPr>
                 </a:tc>
                 <a:tc>
                   <a:txBody>
@@ -15746,7 +16521,26 @@
                       </a:endParaRPr>
                     </a:p>
                   </a:txBody>
-                  <a:tcPr marL="6897" marR="6897" marT="6897" marB="0" anchor="b"/>
+                  <a:tcPr marL="6897" marR="6897" marT="6897" marB="0" anchor="b">
+                    <a:lnT w="12700" cap="flat" cmpd="sng" algn="ctr">
+                      <a:solidFill>
+                        <a:schemeClr val="tx1"/>
+                      </a:solidFill>
+                      <a:prstDash val="solid"/>
+                      <a:round/>
+                      <a:headEnd type="none" w="med" len="med"/>
+                      <a:tailEnd type="none" w="med" len="med"/>
+                    </a:lnT>
+                    <a:lnB w="12700" cap="flat" cmpd="sng" algn="ctr">
+                      <a:solidFill>
+                        <a:schemeClr val="tx1"/>
+                      </a:solidFill>
+                      <a:prstDash val="solid"/>
+                      <a:round/>
+                      <a:headEnd type="none" w="med" len="med"/>
+                      <a:tailEnd type="none" w="med" len="med"/>
+                    </a:lnB>
+                  </a:tcPr>
                 </a:tc>
                 <a:extLst>
                   <a:ext uri="{0D108BD9-81ED-4DB2-BD59-A6C34878D82A}">
@@ -15777,7 +16571,26 @@
                       </a:endParaRPr>
                     </a:p>
                   </a:txBody>
-                  <a:tcPr marL="82766" marR="6897" marT="6897" marB="0" anchor="ctr"/>
+                  <a:tcPr marL="82766" marR="6897" marT="6897" marB="0" anchor="ctr">
+                    <a:lnT w="12700" cap="flat" cmpd="sng" algn="ctr">
+                      <a:solidFill>
+                        <a:schemeClr val="tx1"/>
+                      </a:solidFill>
+                      <a:prstDash val="solid"/>
+                      <a:round/>
+                      <a:headEnd type="none" w="med" len="med"/>
+                      <a:tailEnd type="none" w="med" len="med"/>
+                    </a:lnT>
+                    <a:lnB w="12700" cap="flat" cmpd="sng" algn="ctr">
+                      <a:solidFill>
+                        <a:schemeClr val="tx1"/>
+                      </a:solidFill>
+                      <a:prstDash val="solid"/>
+                      <a:round/>
+                      <a:headEnd type="none" w="med" len="med"/>
+                      <a:tailEnd type="none" w="med" len="med"/>
+                    </a:lnB>
+                  </a:tcPr>
                 </a:tc>
                 <a:tc>
                   <a:txBody>
@@ -15801,7 +16614,26 @@
                       </a:endParaRPr>
                     </a:p>
                   </a:txBody>
-                  <a:tcPr marL="6897" marR="6897" marT="6897" marB="0" anchor="b"/>
+                  <a:tcPr marL="6897" marR="6897" marT="6897" marB="0" anchor="b">
+                    <a:lnT w="12700" cap="flat" cmpd="sng" algn="ctr">
+                      <a:solidFill>
+                        <a:schemeClr val="tx1"/>
+                      </a:solidFill>
+                      <a:prstDash val="solid"/>
+                      <a:round/>
+                      <a:headEnd type="none" w="med" len="med"/>
+                      <a:tailEnd type="none" w="med" len="med"/>
+                    </a:lnT>
+                    <a:lnB w="12700" cap="flat" cmpd="sng" algn="ctr">
+                      <a:solidFill>
+                        <a:schemeClr val="tx1"/>
+                      </a:solidFill>
+                      <a:prstDash val="solid"/>
+                      <a:round/>
+                      <a:headEnd type="none" w="med" len="med"/>
+                      <a:tailEnd type="none" w="med" len="med"/>
+                    </a:lnB>
+                  </a:tcPr>
                 </a:tc>
                 <a:extLst>
                   <a:ext uri="{0D108BD9-81ED-4DB2-BD59-A6C34878D82A}">
@@ -15832,7 +16664,17 @@
                       </a:endParaRPr>
                     </a:p>
                   </a:txBody>
-                  <a:tcPr marL="82766" marR="6897" marT="6897" marB="0" anchor="ctr"/>
+                  <a:tcPr marL="82766" marR="6897" marT="6897" marB="0" anchor="ctr">
+                    <a:lnT w="12700" cap="flat" cmpd="sng" algn="ctr">
+                      <a:solidFill>
+                        <a:schemeClr val="tx1"/>
+                      </a:solidFill>
+                      <a:prstDash val="solid"/>
+                      <a:round/>
+                      <a:headEnd type="none" w="med" len="med"/>
+                      <a:tailEnd type="none" w="med" len="med"/>
+                    </a:lnT>
+                  </a:tcPr>
                 </a:tc>
                 <a:tc>
                   <a:txBody>
@@ -15856,7 +16698,17 @@
                       </a:endParaRPr>
                     </a:p>
                   </a:txBody>
-                  <a:tcPr marL="6897" marR="6897" marT="6897" marB="0" anchor="b"/>
+                  <a:tcPr marL="6897" marR="6897" marT="6897" marB="0" anchor="b">
+                    <a:lnT w="12700" cap="flat" cmpd="sng" algn="ctr">
+                      <a:solidFill>
+                        <a:schemeClr val="tx1"/>
+                      </a:solidFill>
+                      <a:prstDash val="solid"/>
+                      <a:round/>
+                      <a:headEnd type="none" w="med" len="med"/>
+                      <a:tailEnd type="none" w="med" len="med"/>
+                    </a:lnT>
+                  </a:tcPr>
                 </a:tc>
                 <a:extLst>
                   <a:ext uri="{0D108BD9-81ED-4DB2-BD59-A6C34878D82A}">
@@ -15897,8 +16749,8 @@
         </p:blipFill>
         <p:spPr bwMode="auto">
           <a:xfrm>
-            <a:off x="9738360" y="5415919"/>
-            <a:ext cx="1706880" cy="893445"/>
+            <a:off x="9970346" y="5373960"/>
+            <a:ext cx="1242907" cy="650584"/>
           </a:xfrm>
           <a:prstGeom prst="rect">
             <a:avLst/>
@@ -15930,7 +16782,7 @@
         <p:spPr>
           <a:xfrm>
             <a:off x="563880" y="1010186"/>
-            <a:ext cx="8686800" cy="1200329"/>
+            <a:ext cx="8686800" cy="707886"/>
           </a:xfrm>
           <a:prstGeom prst="rect">
             <a:avLst/>
@@ -15944,7 +16796,7 @@
           <a:lstStyle/>
           <a:p>
             <a:r>
-              <a:rPr lang="en-US" sz="2400" dirty="0">
+              <a:rPr lang="en-US" sz="2000" dirty="0">
                 <a:solidFill>
                   <a:srgbClr val="30383B"/>
                 </a:solidFill>
@@ -16000,14 +16852,14 @@
           <p:nvPr>
             <p:extLst>
               <p:ext uri="{D42A27DB-BD31-4B8C-83A1-F6EECF244321}">
-                <p14:modId xmlns:p14="http://schemas.microsoft.com/office/powerpoint/2010/main" val="3556477715"/>
+                <p14:modId xmlns:p14="http://schemas.microsoft.com/office/powerpoint/2010/main" val="2346334281"/>
               </p:ext>
             </p:extLst>
           </p:nvPr>
         </p:nvGraphicFramePr>
         <p:xfrm>
-          <a:off x="344518" y="1439468"/>
-          <a:ext cx="11502964" cy="3979063"/>
+          <a:off x="1419785" y="1439468"/>
+          <a:ext cx="9588377" cy="3979063"/>
         </p:xfrm>
         <a:graphic>
           <a:graphicData uri="http://schemas.openxmlformats.org/drawingml/2006/table">
@@ -16016,28 +16868,28 @@
                 <a:tableStyleId>{5940675A-B579-460E-94D1-54222C63F5DA}</a:tableStyleId>
               </a:tblPr>
               <a:tblGrid>
-                <a:gridCol w="2505362">
+                <a:gridCol w="2088363">
                   <a:extLst>
                     <a:ext uri="{9D8B030D-6E8A-4147-A177-3AD203B41FA5}">
                       <a16:colId xmlns:a16="http://schemas.microsoft.com/office/drawing/2014/main" val="2435842731"/>
                     </a:ext>
                   </a:extLst>
                 </a:gridCol>
-                <a:gridCol w="3246120">
+                <a:gridCol w="2705826">
                   <a:extLst>
                     <a:ext uri="{9D8B030D-6E8A-4147-A177-3AD203B41FA5}">
                       <a16:colId xmlns:a16="http://schemas.microsoft.com/office/drawing/2014/main" val="2731154548"/>
                     </a:ext>
                   </a:extLst>
                 </a:gridCol>
-                <a:gridCol w="2875741">
+                <a:gridCol w="2397094">
                   <a:extLst>
                     <a:ext uri="{9D8B030D-6E8A-4147-A177-3AD203B41FA5}">
                       <a16:colId xmlns:a16="http://schemas.microsoft.com/office/drawing/2014/main" val="3347375213"/>
                     </a:ext>
                   </a:extLst>
                 </a:gridCol>
-                <a:gridCol w="2875741">
+                <a:gridCol w="2397094">
                   <a:extLst>
                     <a:ext uri="{9D8B030D-6E8A-4147-A177-3AD203B41FA5}">
                       <a16:colId xmlns:a16="http://schemas.microsoft.com/office/drawing/2014/main" val="4252967805"/>
@@ -16538,8 +17390,8 @@
         </p:blipFill>
         <p:spPr bwMode="auto">
           <a:xfrm>
-            <a:off x="6477710" y="2842455"/>
-            <a:ext cx="2198436" cy="685800"/>
+            <a:off x="6534003" y="2852137"/>
+            <a:ext cx="1416028" cy="441729"/>
           </a:xfrm>
           <a:prstGeom prst="rect">
             <a:avLst/>
@@ -16585,8 +17437,8 @@
         </p:blipFill>
         <p:spPr bwMode="auto">
           <a:xfrm>
-            <a:off x="8956060" y="3073002"/>
-            <a:ext cx="2824867" cy="564973"/>
+            <a:off x="8723541" y="2929963"/>
+            <a:ext cx="1819516" cy="363903"/>
           </a:xfrm>
           <a:prstGeom prst="rect">
             <a:avLst/>
@@ -16631,8 +17483,8 @@
         </p:blipFill>
         <p:spPr>
           <a:xfrm>
-            <a:off x="9062085" y="3936920"/>
-            <a:ext cx="2708844" cy="774475"/>
+            <a:off x="8829565" y="3793881"/>
+            <a:ext cx="1744785" cy="498845"/>
           </a:xfrm>
           <a:prstGeom prst="rect">
             <a:avLst/>
@@ -16668,8 +17520,8 @@
         </p:blipFill>
         <p:spPr bwMode="auto">
           <a:xfrm>
-            <a:off x="2948048" y="3879127"/>
-            <a:ext cx="3048000" cy="1371600"/>
+            <a:off x="3799475" y="3816521"/>
+            <a:ext cx="1963237" cy="883457"/>
           </a:xfrm>
           <a:prstGeom prst="rect">
             <a:avLst/>
@@ -16715,8 +17567,8 @@
         </p:blipFill>
         <p:spPr bwMode="auto">
           <a:xfrm>
-            <a:off x="2979759" y="2569405"/>
-            <a:ext cx="3048000" cy="1231900"/>
+            <a:off x="3831186" y="2506799"/>
+            <a:ext cx="1963237" cy="793475"/>
           </a:xfrm>
           <a:prstGeom prst="rect">
             <a:avLst/>
@@ -16762,8 +17614,8 @@
         </p:blipFill>
         <p:spPr bwMode="auto">
           <a:xfrm>
-            <a:off x="888957" y="3176827"/>
-            <a:ext cx="1510276" cy="1678949"/>
+            <a:off x="1964223" y="3176828"/>
+            <a:ext cx="972779" cy="1081422"/>
           </a:xfrm>
           <a:prstGeom prst="rect">
             <a:avLst/>
@@ -16809,8 +17661,8 @@
         </p:blipFill>
         <p:spPr bwMode="auto">
           <a:xfrm>
-            <a:off x="6477710" y="3682788"/>
-            <a:ext cx="2051496" cy="1103900"/>
+            <a:off x="6534003" y="3692470"/>
+            <a:ext cx="1321382" cy="711029"/>
           </a:xfrm>
           <a:prstGeom prst="rect">
             <a:avLst/>
@@ -16987,6 +17839,210 @@
               <a:rPr lang="en-US" sz="2800" dirty="0">
                 <a:latin typeface="Century Gothic" panose="020B0502020202020204" pitchFamily="34" charset="0"/>
               </a:rPr>
+              <a:t>Cleaning Data</a:t>
+            </a:r>
+          </a:p>
+        </p:txBody>
+      </p:sp>
+      <p:sp>
+        <p:nvSpPr>
+          <p:cNvPr id="4" name="TextBox 3">
+            <a:extLst>
+              <a:ext uri="{FF2B5EF4-FFF2-40B4-BE49-F238E27FC236}">
+                <a16:creationId xmlns:a16="http://schemas.microsoft.com/office/drawing/2014/main" id="{BF32BD8D-0CD1-4753-A26D-33C0184E910C}"/>
+              </a:ext>
+            </a:extLst>
+          </p:cNvPr>
+          <p:cNvSpPr txBox="1"/>
+          <p:nvPr/>
+        </p:nvSpPr>
+        <p:spPr>
+          <a:xfrm>
+            <a:off x="677333" y="1193800"/>
+            <a:ext cx="10659533" cy="1754326"/>
+          </a:xfrm>
+          <a:prstGeom prst="rect">
+            <a:avLst/>
+          </a:prstGeom>
+          <a:noFill/>
+        </p:spPr>
+        <p:txBody>
+          <a:bodyPr wrap="square" rtlCol="0">
+            <a:spAutoFit/>
+          </a:bodyPr>
+          <a:lstStyle/>
+          <a:p>
+            <a:pPr marL="285750" indent="-285750">
+              <a:buFont typeface="Wingdings" panose="05000000000000000000" pitchFamily="2" charset="2"/>
+              <a:buChar char="ü"/>
+            </a:pPr>
+            <a:r>
+              <a:rPr lang="en-US" dirty="0">
+                <a:latin typeface="Century Gothic" panose="020B0502020202020204" pitchFamily="34" charset="0"/>
+              </a:rPr>
+              <a:t>400 + Duplicated data records</a:t>
+            </a:r>
+          </a:p>
+          <a:p>
+            <a:pPr marL="285750" indent="-285750">
+              <a:buFont typeface="Wingdings" panose="05000000000000000000" pitchFamily="2" charset="2"/>
+              <a:buChar char="ü"/>
+            </a:pPr>
+            <a:r>
+              <a:rPr lang="en-US" dirty="0">
+                <a:latin typeface="Century Gothic" panose="020B0502020202020204" pitchFamily="34" charset="0"/>
+              </a:rPr>
+              <a:t>Converted timestamp feature(</a:t>
+            </a:r>
+            <a:r>
+              <a:rPr lang="en-US" dirty="0" err="1">
+                <a:latin typeface="Century Gothic" panose="020B0502020202020204" pitchFamily="34" charset="0"/>
+              </a:rPr>
+              <a:t>created_at</a:t>
+            </a:r>
+            <a:r>
+              <a:rPr lang="en-US" dirty="0">
+                <a:latin typeface="Century Gothic" panose="020B0502020202020204" pitchFamily="34" charset="0"/>
+              </a:rPr>
+              <a:t>, </a:t>
+            </a:r>
+            <a:r>
+              <a:rPr lang="en-US" dirty="0" err="1">
+                <a:latin typeface="Century Gothic" panose="020B0502020202020204" pitchFamily="34" charset="0"/>
+              </a:rPr>
+              <a:t>last_move_at</a:t>
+            </a:r>
+            <a:r>
+              <a:rPr lang="en-US" dirty="0">
+                <a:latin typeface="Century Gothic" panose="020B0502020202020204" pitchFamily="34" charset="0"/>
+              </a:rPr>
+              <a:t>) which was in Unix format </a:t>
+            </a:r>
+          </a:p>
+          <a:p>
+            <a:pPr marL="285750" indent="-285750">
+              <a:buFont typeface="Wingdings" panose="05000000000000000000" pitchFamily="2" charset="2"/>
+              <a:buChar char="ü"/>
+            </a:pPr>
+            <a:r>
+              <a:rPr lang="en-US" dirty="0">
+                <a:latin typeface="Century Gothic" panose="020B0502020202020204" pitchFamily="34" charset="0"/>
+              </a:rPr>
+              <a:t>Decode </a:t>
+            </a:r>
+            <a:r>
+              <a:rPr lang="en-US" dirty="0" err="1">
+                <a:latin typeface="Century Gothic" panose="020B0502020202020204" pitchFamily="34" charset="0"/>
+              </a:rPr>
+              <a:t>increment_code</a:t>
+            </a:r>
+            <a:r>
+              <a:rPr lang="en-US" dirty="0">
+                <a:latin typeface="Century Gothic" panose="020B0502020202020204" pitchFamily="34" charset="0"/>
+              </a:rPr>
+              <a:t> column</a:t>
+            </a:r>
+          </a:p>
+          <a:p>
+            <a:pPr marL="285750" indent="-285750">
+              <a:buFont typeface="Wingdings" panose="05000000000000000000" pitchFamily="2" charset="2"/>
+              <a:buChar char="ü"/>
+            </a:pPr>
+            <a:r>
+              <a:rPr lang="en-US" dirty="0">
+                <a:latin typeface="Century Gothic" panose="020B0502020202020204" pitchFamily="34" charset="0"/>
+              </a:rPr>
+              <a:t>Shorten opening names which had many sub variations </a:t>
+            </a:r>
+          </a:p>
+          <a:p>
+            <a:pPr marL="285750" indent="-285750">
+              <a:buFont typeface="Wingdings" panose="05000000000000000000" pitchFamily="2" charset="2"/>
+              <a:buChar char="ü"/>
+            </a:pPr>
+            <a:r>
+              <a:rPr lang="en-US" dirty="0">
+                <a:latin typeface="Century Gothic" panose="020B0502020202020204" pitchFamily="34" charset="0"/>
+              </a:rPr>
+              <a:t>Extracted rating difference for each game</a:t>
+            </a:r>
+          </a:p>
+          <a:p>
+            <a:pPr marL="285750" indent="-285750">
+              <a:buFont typeface="Wingdings" panose="05000000000000000000" pitchFamily="2" charset="2"/>
+              <a:buChar char="ü"/>
+            </a:pPr>
+            <a:r>
+              <a:rPr lang="en-US" dirty="0">
+                <a:latin typeface="Century Gothic" panose="020B0502020202020204" pitchFamily="34" charset="0"/>
+              </a:rPr>
+              <a:t>Categorized games based on rating average.</a:t>
+            </a:r>
+          </a:p>
+        </p:txBody>
+      </p:sp>
+    </p:spTree>
+    <p:extLst>
+      <p:ext uri="{BB962C8B-B14F-4D97-AF65-F5344CB8AC3E}">
+        <p14:creationId xmlns:p14="http://schemas.microsoft.com/office/powerpoint/2010/main" val="358461151"/>
+      </p:ext>
+    </p:extLst>
+  </p:cSld>
+  <p:clrMapOvr>
+    <a:masterClrMapping/>
+  </p:clrMapOvr>
+</p:sld>
+</file>
+
+<file path=ppt/slides/slide8.xml><?xml version="1.0" encoding="utf-8"?>
+<p:sld xmlns:a="http://schemas.openxmlformats.org/drawingml/2006/main" xmlns:r="http://schemas.openxmlformats.org/officeDocument/2006/relationships" xmlns:p="http://schemas.openxmlformats.org/presentationml/2006/main">
+  <p:cSld>
+    <p:spTree>
+      <p:nvGrpSpPr>
+        <p:cNvPr id="1" name=""/>
+        <p:cNvGrpSpPr/>
+        <p:nvPr/>
+      </p:nvGrpSpPr>
+      <p:grpSpPr>
+        <a:xfrm>
+          <a:off x="0" y="0"/>
+          <a:ext cx="0" cy="0"/>
+          <a:chOff x="0" y="0"/>
+          <a:chExt cx="0" cy="0"/>
+        </a:xfrm>
+      </p:grpSpPr>
+      <p:sp>
+        <p:nvSpPr>
+          <p:cNvPr id="2" name="TextBox 1">
+            <a:extLst>
+              <a:ext uri="{FF2B5EF4-FFF2-40B4-BE49-F238E27FC236}">
+                <a16:creationId xmlns:a16="http://schemas.microsoft.com/office/drawing/2014/main" id="{13E2A18C-ABB3-41D8-BBDE-4793E2C6F8F0}"/>
+              </a:ext>
+            </a:extLst>
+          </p:cNvPr>
+          <p:cNvSpPr txBox="1"/>
+          <p:nvPr/>
+        </p:nvSpPr>
+        <p:spPr>
+          <a:xfrm>
+            <a:off x="0" y="269290"/>
+            <a:ext cx="6812280" cy="523220"/>
+          </a:xfrm>
+          <a:prstGeom prst="rect">
+            <a:avLst/>
+          </a:prstGeom>
+          <a:noFill/>
+        </p:spPr>
+        <p:txBody>
+          <a:bodyPr wrap="square" rtlCol="0">
+            <a:spAutoFit/>
+          </a:bodyPr>
+          <a:lstStyle/>
+          <a:p>
+            <a:r>
+              <a:rPr lang="en-US" sz="2800" dirty="0">
+                <a:latin typeface="Century Gothic" panose="020B0502020202020204" pitchFamily="34" charset="0"/>
+              </a:rPr>
               <a:t>Target data</a:t>
             </a:r>
           </a:p>
@@ -16994,10 +18050,10 @@
       </p:sp>
       <p:pic>
         <p:nvPicPr>
-          <p:cNvPr id="8" name="Picture 7" descr="Chart&#10;&#10;Description automatically generated">
+          <p:cNvPr id="4" name="Picture 3" descr="Chart&#10;&#10;Description automatically generated">
             <a:extLst>
               <a:ext uri="{FF2B5EF4-FFF2-40B4-BE49-F238E27FC236}">
-                <a16:creationId xmlns:a16="http://schemas.microsoft.com/office/drawing/2014/main" id="{D598E332-F695-4281-B0FA-954FDC02B684}"/>
+                <a16:creationId xmlns:a16="http://schemas.microsoft.com/office/drawing/2014/main" id="{AED346F6-B1A2-49CB-AC6C-C9F98F74D469}"/>
               </a:ext>
             </a:extLst>
           </p:cNvPr>
@@ -17014,18 +18070,53 @@
         </p:blipFill>
         <p:spPr>
           <a:xfrm>
-            <a:off x="3901440" y="905018"/>
-            <a:ext cx="7650022" cy="5047964"/>
+            <a:off x="4953302" y="1143189"/>
+            <a:ext cx="7314595" cy="4571622"/>
           </a:xfrm>
           <a:prstGeom prst="rect">
             <a:avLst/>
           </a:prstGeom>
         </p:spPr>
       </p:pic>
+      <p:sp>
+        <p:nvSpPr>
+          <p:cNvPr id="5" name="TextBox 4">
+            <a:extLst>
+              <a:ext uri="{FF2B5EF4-FFF2-40B4-BE49-F238E27FC236}">
+                <a16:creationId xmlns:a16="http://schemas.microsoft.com/office/drawing/2014/main" id="{6217D311-18B7-476D-A9BD-5139DAB86C53}"/>
+              </a:ext>
+            </a:extLst>
+          </p:cNvPr>
+          <p:cNvSpPr txBox="1"/>
+          <p:nvPr/>
+        </p:nvSpPr>
+        <p:spPr>
+          <a:xfrm>
+            <a:off x="449062" y="3105834"/>
+            <a:ext cx="3911271" cy="646331"/>
+          </a:xfrm>
+          <a:prstGeom prst="rect">
+            <a:avLst/>
+          </a:prstGeom>
+          <a:noFill/>
+        </p:spPr>
+        <p:txBody>
+          <a:bodyPr wrap="square" rtlCol="0">
+            <a:spAutoFit/>
+          </a:bodyPr>
+          <a:lstStyle/>
+          <a:p>
+            <a:r>
+              <a:rPr lang="en-US" dirty="0"/>
+              <a:t>The fight between white and black is a close call , white edges a little bit</a:t>
+            </a:r>
+          </a:p>
+        </p:txBody>
+      </p:sp>
     </p:spTree>
     <p:extLst>
       <p:ext uri="{BB962C8B-B14F-4D97-AF65-F5344CB8AC3E}">
-        <p14:creationId xmlns:p14="http://schemas.microsoft.com/office/powerpoint/2010/main" val="358461151"/>
+        <p14:creationId xmlns:p14="http://schemas.microsoft.com/office/powerpoint/2010/main" val="2620192905"/>
       </p:ext>
     </p:extLst>
   </p:cSld>
@@ -17035,7 +18126,7 @@
 </p:sld>
 </file>
 
-<file path=ppt/slides/slide8.xml><?xml version="1.0" encoding="utf-8"?>
+<file path=ppt/slides/slide9.xml><?xml version="1.0" encoding="utf-8"?>
 <p:sld xmlns:a="http://schemas.openxmlformats.org/drawingml/2006/main" xmlns:r="http://schemas.openxmlformats.org/officeDocument/2006/relationships" xmlns:p="http://schemas.openxmlformats.org/presentationml/2006/main">
   <p:cSld>
     <p:spTree>
@@ -17081,7 +18172,7 @@
         <p:spPr>
           <a:xfrm>
             <a:off x="-5533" y="1576639"/>
-            <a:ext cx="5979614" cy="3361122"/>
+            <a:ext cx="5979614" cy="3350961"/>
           </a:xfrm>
           <a:prstGeom prst="rect">
             <a:avLst/>
@@ -17124,78 +18215,12 @@
           </a:prstGeom>
         </p:spPr>
       </p:pic>
-    </p:spTree>
-    <p:extLst>
-      <p:ext uri="{BB962C8B-B14F-4D97-AF65-F5344CB8AC3E}">
-        <p14:creationId xmlns:p14="http://schemas.microsoft.com/office/powerpoint/2010/main" val="277317692"/>
-      </p:ext>
-    </p:extLst>
-  </p:cSld>
-  <p:clrMapOvr>
-    <a:masterClrMapping/>
-  </p:clrMapOvr>
-</p:sld>
-</file>
-
-<file path=ppt/slides/slide9.xml><?xml version="1.0" encoding="utf-8"?>
-<p:sld xmlns:a="http://schemas.openxmlformats.org/drawingml/2006/main" xmlns:r="http://schemas.openxmlformats.org/officeDocument/2006/relationships" xmlns:p="http://schemas.openxmlformats.org/presentationml/2006/main">
-  <p:cSld>
-    <p:spTree>
-      <p:nvGrpSpPr>
-        <p:cNvPr id="1" name=""/>
-        <p:cNvGrpSpPr/>
-        <p:nvPr/>
-      </p:nvGrpSpPr>
-      <p:grpSpPr>
-        <a:xfrm>
-          <a:off x="0" y="0"/>
-          <a:ext cx="0" cy="0"/>
-          <a:chOff x="0" y="0"/>
-          <a:chExt cx="0" cy="0"/>
-        </a:xfrm>
-      </p:grpSpPr>
-      <p:pic>
-        <p:nvPicPr>
-          <p:cNvPr id="16" name="Picture 15" descr="Graphical user interface, application, Teams&#10;&#10;Description automatically generated">
+      <p:sp>
+        <p:nvSpPr>
+          <p:cNvPr id="4" name="TextBox 3">
             <a:extLst>
               <a:ext uri="{FF2B5EF4-FFF2-40B4-BE49-F238E27FC236}">
-                <a16:creationId xmlns:a16="http://schemas.microsoft.com/office/drawing/2014/main" id="{6BD2BD0C-E30F-46B1-B6C4-84025F9EBA93}"/>
-              </a:ext>
-            </a:extLst>
-          </p:cNvPr>
-          <p:cNvPicPr>
-            <a:picLocks noChangeAspect="1"/>
-          </p:cNvPicPr>
-          <p:nvPr/>
-        </p:nvPicPr>
-        <p:blipFill>
-          <a:blip r:embed="rId2" cstate="screen">
-            <a:extLst>
-              <a:ext uri="{28A0092B-C50C-407E-A947-70E740481C1C}">
-                <a14:useLocalDpi xmlns:a14="http://schemas.microsoft.com/office/drawing/2010/main"/>
-              </a:ext>
-            </a:extLst>
-          </a:blip>
-          <a:stretch>
-            <a:fillRect/>
-          </a:stretch>
-        </p:blipFill>
-        <p:spPr>
-          <a:xfrm>
-            <a:off x="-91440" y="511628"/>
-            <a:ext cx="13670280" cy="5858692"/>
-          </a:xfrm>
-          <a:prstGeom prst="rect">
-            <a:avLst/>
-          </a:prstGeom>
-        </p:spPr>
-      </p:pic>
-      <p:sp>
-        <p:nvSpPr>
-          <p:cNvPr id="17" name="TextBox 16">
-            <a:extLst>
-              <a:ext uri="{FF2B5EF4-FFF2-40B4-BE49-F238E27FC236}">
-                <a16:creationId xmlns:a16="http://schemas.microsoft.com/office/drawing/2014/main" id="{5E725836-6EE7-449D-9A9E-5CB92F253F67}"/>
+                <a16:creationId xmlns:a16="http://schemas.microsoft.com/office/drawing/2014/main" id="{1D83BD0D-9646-4ACD-B762-4688F889CCF9}"/>
               </a:ext>
             </a:extLst>
           </p:cNvPr>
@@ -17204,8 +18229,8 @@
         </p:nvSpPr>
         <p:spPr>
           <a:xfrm>
-            <a:off x="0" y="304800"/>
-            <a:ext cx="6812280" cy="523220"/>
+            <a:off x="0" y="269290"/>
+            <a:ext cx="5388746" cy="523220"/>
           </a:xfrm>
           <a:prstGeom prst="rect">
             <a:avLst/>
@@ -17222,7 +18247,7 @@
               <a:rPr lang="en-US" sz="2800" dirty="0">
                 <a:latin typeface="Century Gothic" panose="020B0502020202020204" pitchFamily="34" charset="0"/>
               </a:rPr>
-              <a:t>Features Correlation Heatmap</a:t>
+              <a:t>Opening moves data</a:t>
             </a:r>
           </a:p>
         </p:txBody>
@@ -17230,7 +18255,7 @@
     </p:spTree>
     <p:extLst>
       <p:ext uri="{BB962C8B-B14F-4D97-AF65-F5344CB8AC3E}">
-        <p14:creationId xmlns:p14="http://schemas.microsoft.com/office/powerpoint/2010/main" val="791313963"/>
+        <p14:creationId xmlns:p14="http://schemas.microsoft.com/office/powerpoint/2010/main" val="277317692"/>
       </p:ext>
     </p:extLst>
   </p:cSld>
@@ -17862,6 +18887,24 @@
 </file>
 
 <file path=customXml/item1.xml><?xml version="1.0" encoding="utf-8"?>
+<?mso-contentType ?>
+<FormTemplates xmlns="http://schemas.microsoft.com/sharepoint/v3/contenttype/forms">
+  <Display>DocumentLibraryForm</Display>
+  <Edit>DocumentLibraryForm</Edit>
+  <New>DocumentLibraryForm</New>
+</FormTemplates>
+</file>
+
+<file path=customXml/item2.xml><?xml version="1.0" encoding="utf-8"?>
+<p:properties xmlns:p="http://schemas.microsoft.com/office/2006/metadata/properties" xmlns:xsi="http://www.w3.org/2001/XMLSchema-instance" xmlns:pc="http://schemas.microsoft.com/office/infopath/2007/PartnerControls">
+  <documentManagement>
+    <Status xmlns="71af3243-3dd4-4a8d-8c0d-dd76da1f02a5">Not started</Status>
+    <MediaServiceKeyPoints xmlns="71af3243-3dd4-4a8d-8c0d-dd76da1f02a5" xsi:nil="true"/>
+  </documentManagement>
+</p:properties>
+</file>
+
+<file path=customXml/item3.xml><?xml version="1.0" encoding="utf-8"?>
 <ct:contentTypeSchema xmlns:ct="http://schemas.microsoft.com/office/2006/metadata/contentType" xmlns:ma="http://schemas.microsoft.com/office/2006/metadata/properties/metaAttributes" ct:_="" ma:_="" ma:contentTypeName="Document" ma:contentTypeID="0x01010079F111ED35F8CC479449609E8A0923A6" ma:contentTypeVersion="12" ma:contentTypeDescription="Create a new document." ma:contentTypeScope="" ma:versionID="a410dd7f93c95333ffa1b60ed6adedd1">
   <xsd:schema xmlns:xsd="http://www.w3.org/2001/XMLSchema" xmlns:xs="http://www.w3.org/2001/XMLSchema" xmlns:p="http://schemas.microsoft.com/office/2006/metadata/properties" xmlns:ns2="71af3243-3dd4-4a8d-8c0d-dd76da1f02a5" xmlns:ns3="16c05727-aa75-4e4a-9b5f-8a80a1165891" targetNamespace="http://schemas.microsoft.com/office/2006/metadata/properties" ma:root="true" ma:fieldsID="a936d9baba76aa3866493feff160faab" ns2:_="" ns3:_="">
     <xsd:import namespace="71af3243-3dd4-4a8d-8c0d-dd76da1f02a5"/>
@@ -18082,25 +19125,25 @@
 </ct:contentTypeSchema>
 </file>
 
-<file path=customXml/item2.xml><?xml version="1.0" encoding="utf-8"?>
-<p:properties xmlns:p="http://schemas.microsoft.com/office/2006/metadata/properties" xmlns:xsi="http://www.w3.org/2001/XMLSchema-instance" xmlns:pc="http://schemas.microsoft.com/office/infopath/2007/PartnerControls">
-  <documentManagement>
-    <Status xmlns="71af3243-3dd4-4a8d-8c0d-dd76da1f02a5">Not started</Status>
-    <MediaServiceKeyPoints xmlns="71af3243-3dd4-4a8d-8c0d-dd76da1f02a5" xsi:nil="true"/>
-  </documentManagement>
-</p:properties>
+<file path=customXml/itemProps1.xml><?xml version="1.0" encoding="utf-8"?>
+<ds:datastoreItem xmlns:ds="http://schemas.openxmlformats.org/officeDocument/2006/customXml" ds:itemID="{AA3F7EDC-E5B4-4BBC-9D2A-CBE6D46C37AD}">
+  <ds:schemaRefs>
+    <ds:schemaRef ds:uri="http://schemas.microsoft.com/sharepoint/v3/contenttype/forms"/>
+  </ds:schemaRefs>
+</ds:datastoreItem>
 </file>
 
-<file path=customXml/item3.xml><?xml version="1.0" encoding="utf-8"?>
-<?mso-contentType ?>
-<FormTemplates xmlns="http://schemas.microsoft.com/sharepoint/v3/contenttype/forms">
-  <Display>DocumentLibraryForm</Display>
-  <Edit>DocumentLibraryForm</Edit>
-  <New>DocumentLibraryForm</New>
-</FormTemplates>
+<file path=customXml/itemProps2.xml><?xml version="1.0" encoding="utf-8"?>
+<ds:datastoreItem xmlns:ds="http://schemas.openxmlformats.org/officeDocument/2006/customXml" ds:itemID="{A03EEFF0-FB57-4CB4-8BFC-DF397689E2ED}">
+  <ds:schemaRefs>
+    <ds:schemaRef ds:uri="http://schemas.microsoft.com/office/2006/metadata/properties"/>
+    <ds:schemaRef ds:uri="http://schemas.microsoft.com/office/infopath/2007/PartnerControls"/>
+    <ds:schemaRef ds:uri="71af3243-3dd4-4a8d-8c0d-dd76da1f02a5"/>
+  </ds:schemaRefs>
+</ds:datastoreItem>
 </file>
 
-<file path=customXml/itemProps1.xml><?xml version="1.0" encoding="utf-8"?>
+<file path=customXml/itemProps3.xml><?xml version="1.0" encoding="utf-8"?>
 <ds:datastoreItem xmlns:ds="http://schemas.openxmlformats.org/officeDocument/2006/customXml" ds:itemID="{93932EF5-314F-409E-8020-FEE5FA0795B9}">
   <ds:schemaRefs>
     <ds:schemaRef ds:uri="http://schemas.microsoft.com/office/2006/metadata/contentType"/>
@@ -18117,22 +19160,4 @@
     <ds:schemaRef ds:uri="http://schemas.microsoft.com/internal/obd"/>
   </ds:schemaRefs>
 </ds:datastoreItem>
-</file>
-
-<file path=customXml/itemProps2.xml><?xml version="1.0" encoding="utf-8"?>
-<ds:datastoreItem xmlns:ds="http://schemas.openxmlformats.org/officeDocument/2006/customXml" ds:itemID="{A03EEFF0-FB57-4CB4-8BFC-DF397689E2ED}">
-  <ds:schemaRefs>
-    <ds:schemaRef ds:uri="http://schemas.microsoft.com/office/2006/metadata/properties"/>
-    <ds:schemaRef ds:uri="http://schemas.microsoft.com/office/infopath/2007/PartnerControls"/>
-    <ds:schemaRef ds:uri="71af3243-3dd4-4a8d-8c0d-dd76da1f02a5"/>
-  </ds:schemaRefs>
-</ds:datastoreItem>
-</file>
-
-<file path=customXml/itemProps3.xml><?xml version="1.0" encoding="utf-8"?>
-<ds:datastoreItem xmlns:ds="http://schemas.openxmlformats.org/officeDocument/2006/customXml" ds:itemID="{AA3F7EDC-E5B4-4BBC-9D2A-CBE6D46C37AD}">
-  <ds:schemaRefs>
-    <ds:schemaRef ds:uri="http://schemas.microsoft.com/sharepoint/v3/contenttype/forms"/>
-  </ds:schemaRefs>
-</ds:datastoreItem>
 </file>
--- a/My_presentation_chess.pptx
+++ b/My_presentation_chess.pptx
@@ -13285,7 +13285,7 @@
           <p:nvPr>
             <p:extLst>
               <p:ext uri="{D42A27DB-BD31-4B8C-83A1-F6EECF244321}">
-                <p14:modId xmlns:p14="http://schemas.microsoft.com/office/powerpoint/2010/main" val="1515767223"/>
+                <p14:modId xmlns:p14="http://schemas.microsoft.com/office/powerpoint/2010/main" val="369654551"/>
               </p:ext>
             </p:extLst>
           </p:nvPr>
@@ -13537,7 +13537,17 @@
                       </a:endParaRPr>
                     </a:p>
                   </a:txBody>
-                  <a:tcPr marL="12155" marR="12155" marT="12155" marB="145861" anchor="ctr"/>
+                  <a:tcPr marL="12155" marR="12155" marT="12155" marB="145861" anchor="ctr">
+                    <a:lnB w="28575" cap="flat" cmpd="sng" algn="ctr">
+                      <a:solidFill>
+                        <a:srgbClr val="C00000"/>
+                      </a:solidFill>
+                      <a:prstDash val="solid"/>
+                      <a:round/>
+                      <a:headEnd type="none" w="med" len="med"/>
+                      <a:tailEnd type="none" w="med" len="med"/>
+                    </a:lnB>
+                  </a:tcPr>
                 </a:tc>
                 <a:tc>
                   <a:txBody>
@@ -13564,7 +13574,17 @@
                       </a:endParaRPr>
                     </a:p>
                   </a:txBody>
-                  <a:tcPr marL="12155" marR="12155" marT="12155" marB="145861" anchor="ctr"/>
+                  <a:tcPr marL="12155" marR="12155" marT="12155" marB="145861" anchor="ctr">
+                    <a:lnB w="28575" cap="flat" cmpd="sng" algn="ctr">
+                      <a:solidFill>
+                        <a:srgbClr val="C00000"/>
+                      </a:solidFill>
+                      <a:prstDash val="solid"/>
+                      <a:round/>
+                      <a:headEnd type="none" w="med" len="med"/>
+                      <a:tailEnd type="none" w="med" len="med"/>
+                    </a:lnB>
+                  </a:tcPr>
                 </a:tc>
                 <a:tc>
                   <a:txBody>
@@ -13591,7 +13611,17 @@
                       </a:endParaRPr>
                     </a:p>
                   </a:txBody>
-                  <a:tcPr marL="12155" marR="12155" marT="12155" marB="145861" anchor="ctr"/>
+                  <a:tcPr marL="12155" marR="12155" marT="12155" marB="145861" anchor="ctr">
+                    <a:lnB w="28575" cap="flat" cmpd="sng" algn="ctr">
+                      <a:solidFill>
+                        <a:srgbClr val="C00000"/>
+                      </a:solidFill>
+                      <a:prstDash val="solid"/>
+                      <a:round/>
+                      <a:headEnd type="none" w="med" len="med"/>
+                      <a:tailEnd type="none" w="med" len="med"/>
+                    </a:lnB>
+                  </a:tcPr>
                 </a:tc>
                 <a:extLst>
                   <a:ext uri="{0D108BD9-81ED-4DB2-BD59-A6C34878D82A}">
@@ -13625,7 +13655,35 @@
                       </a:endParaRPr>
                     </a:p>
                   </a:txBody>
-                  <a:tcPr marL="12155" marR="12155" marT="12155" marB="145861" anchor="ctr"/>
+                  <a:tcPr marL="12155" marR="12155" marT="12155" marB="145861" anchor="ctr">
+                    <a:lnL w="28575" cap="flat" cmpd="sng" algn="ctr">
+                      <a:solidFill>
+                        <a:srgbClr val="C00000"/>
+                      </a:solidFill>
+                      <a:prstDash val="solid"/>
+                      <a:round/>
+                      <a:headEnd type="none" w="med" len="med"/>
+                      <a:tailEnd type="none" w="med" len="med"/>
+                    </a:lnL>
+                    <a:lnT w="28575" cap="flat" cmpd="sng" algn="ctr">
+                      <a:solidFill>
+                        <a:srgbClr val="C00000"/>
+                      </a:solidFill>
+                      <a:prstDash val="solid"/>
+                      <a:round/>
+                      <a:headEnd type="none" w="med" len="med"/>
+                      <a:tailEnd type="none" w="med" len="med"/>
+                    </a:lnT>
+                    <a:lnB w="28575" cap="flat" cmpd="sng" algn="ctr">
+                      <a:solidFill>
+                        <a:srgbClr val="C00000"/>
+                      </a:solidFill>
+                      <a:prstDash val="solid"/>
+                      <a:round/>
+                      <a:headEnd type="none" w="med" len="med"/>
+                      <a:tailEnd type="none" w="med" len="med"/>
+                    </a:lnB>
+                  </a:tcPr>
                 </a:tc>
                 <a:tc>
                   <a:txBody>
@@ -13652,7 +13710,26 @@
                       </a:endParaRPr>
                     </a:p>
                   </a:txBody>
-                  <a:tcPr marL="12155" marR="12155" marT="12155" marB="145861" anchor="ctr"/>
+                  <a:tcPr marL="12155" marR="12155" marT="12155" marB="145861" anchor="ctr">
+                    <a:lnT w="28575" cap="flat" cmpd="sng" algn="ctr">
+                      <a:solidFill>
+                        <a:srgbClr val="C00000"/>
+                      </a:solidFill>
+                      <a:prstDash val="solid"/>
+                      <a:round/>
+                      <a:headEnd type="none" w="med" len="med"/>
+                      <a:tailEnd type="none" w="med" len="med"/>
+                    </a:lnT>
+                    <a:lnB w="28575" cap="flat" cmpd="sng" algn="ctr">
+                      <a:solidFill>
+                        <a:srgbClr val="C00000"/>
+                      </a:solidFill>
+                      <a:prstDash val="solid"/>
+                      <a:round/>
+                      <a:headEnd type="none" w="med" len="med"/>
+                      <a:tailEnd type="none" w="med" len="med"/>
+                    </a:lnB>
+                  </a:tcPr>
                 </a:tc>
                 <a:tc>
                   <a:txBody>
@@ -13679,7 +13756,35 @@
                       </a:endParaRPr>
                     </a:p>
                   </a:txBody>
-                  <a:tcPr marL="12155" marR="12155" marT="12155" marB="145861" anchor="ctr"/>
+                  <a:tcPr marL="12155" marR="12155" marT="12155" marB="145861" anchor="ctr">
+                    <a:lnR w="28575" cap="flat" cmpd="sng" algn="ctr">
+                      <a:solidFill>
+                        <a:srgbClr val="C00000"/>
+                      </a:solidFill>
+                      <a:prstDash val="solid"/>
+                      <a:round/>
+                      <a:headEnd type="none" w="med" len="med"/>
+                      <a:tailEnd type="none" w="med" len="med"/>
+                    </a:lnR>
+                    <a:lnT w="28575" cap="flat" cmpd="sng" algn="ctr">
+                      <a:solidFill>
+                        <a:srgbClr val="C00000"/>
+                      </a:solidFill>
+                      <a:prstDash val="solid"/>
+                      <a:round/>
+                      <a:headEnd type="none" w="med" len="med"/>
+                      <a:tailEnd type="none" w="med" len="med"/>
+                    </a:lnT>
+                    <a:lnB w="28575" cap="flat" cmpd="sng" algn="ctr">
+                      <a:solidFill>
+                        <a:srgbClr val="C00000"/>
+                      </a:solidFill>
+                      <a:prstDash val="solid"/>
+                      <a:round/>
+                      <a:headEnd type="none" w="med" len="med"/>
+                      <a:tailEnd type="none" w="med" len="med"/>
+                    </a:lnB>
+                  </a:tcPr>
                 </a:tc>
                 <a:extLst>
                   <a:ext uri="{0D108BD9-81ED-4DB2-BD59-A6C34878D82A}">
@@ -13713,7 +13818,17 @@
                       </a:endParaRPr>
                     </a:p>
                   </a:txBody>
-                  <a:tcPr marL="12155" marR="12155" marT="12155" marB="145861" anchor="ctr"/>
+                  <a:tcPr marL="12155" marR="12155" marT="12155" marB="145861" anchor="ctr">
+                    <a:lnT w="28575" cap="flat" cmpd="sng" algn="ctr">
+                      <a:solidFill>
+                        <a:srgbClr val="C00000"/>
+                      </a:solidFill>
+                      <a:prstDash val="solid"/>
+                      <a:round/>
+                      <a:headEnd type="none" w="med" len="med"/>
+                      <a:tailEnd type="none" w="med" len="med"/>
+                    </a:lnT>
+                  </a:tcPr>
                 </a:tc>
                 <a:tc>
                   <a:txBody>
@@ -13740,7 +13855,17 @@
                       </a:endParaRPr>
                     </a:p>
                   </a:txBody>
-                  <a:tcPr marL="12155" marR="12155" marT="12155" marB="145861" anchor="ctr"/>
+                  <a:tcPr marL="12155" marR="12155" marT="12155" marB="145861" anchor="ctr">
+                    <a:lnT w="28575" cap="flat" cmpd="sng" algn="ctr">
+                      <a:solidFill>
+                        <a:srgbClr val="C00000"/>
+                      </a:solidFill>
+                      <a:prstDash val="solid"/>
+                      <a:round/>
+                      <a:headEnd type="none" w="med" len="med"/>
+                      <a:tailEnd type="none" w="med" len="med"/>
+                    </a:lnT>
+                  </a:tcPr>
                 </a:tc>
                 <a:tc>
                   <a:txBody>
@@ -13767,7 +13892,17 @@
                       </a:endParaRPr>
                     </a:p>
                   </a:txBody>
-                  <a:tcPr marL="12155" marR="12155" marT="12155" marB="145861" anchor="ctr"/>
+                  <a:tcPr marL="12155" marR="12155" marT="12155" marB="145861" anchor="ctr">
+                    <a:lnT w="28575" cap="flat" cmpd="sng" algn="ctr">
+                      <a:solidFill>
+                        <a:srgbClr val="C00000"/>
+                      </a:solidFill>
+                      <a:prstDash val="solid"/>
+                      <a:round/>
+                      <a:headEnd type="none" w="med" len="med"/>
+                      <a:tailEnd type="none" w="med" len="med"/>
+                    </a:lnT>
+                  </a:tcPr>
                 </a:tc>
                 <a:extLst>
                   <a:ext uri="{0D108BD9-81ED-4DB2-BD59-A6C34878D82A}">
@@ -18887,24 +19022,6 @@
 </file>
 
 <file path=customXml/item1.xml><?xml version="1.0" encoding="utf-8"?>
-<?mso-contentType ?>
-<FormTemplates xmlns="http://schemas.microsoft.com/sharepoint/v3/contenttype/forms">
-  <Display>DocumentLibraryForm</Display>
-  <Edit>DocumentLibraryForm</Edit>
-  <New>DocumentLibraryForm</New>
-</FormTemplates>
-</file>
-
-<file path=customXml/item2.xml><?xml version="1.0" encoding="utf-8"?>
-<p:properties xmlns:p="http://schemas.microsoft.com/office/2006/metadata/properties" xmlns:xsi="http://www.w3.org/2001/XMLSchema-instance" xmlns:pc="http://schemas.microsoft.com/office/infopath/2007/PartnerControls">
-  <documentManagement>
-    <Status xmlns="71af3243-3dd4-4a8d-8c0d-dd76da1f02a5">Not started</Status>
-    <MediaServiceKeyPoints xmlns="71af3243-3dd4-4a8d-8c0d-dd76da1f02a5" xsi:nil="true"/>
-  </documentManagement>
-</p:properties>
-</file>
-
-<file path=customXml/item3.xml><?xml version="1.0" encoding="utf-8"?>
 <ct:contentTypeSchema xmlns:ct="http://schemas.microsoft.com/office/2006/metadata/contentType" xmlns:ma="http://schemas.microsoft.com/office/2006/metadata/properties/metaAttributes" ct:_="" ma:_="" ma:contentTypeName="Document" ma:contentTypeID="0x01010079F111ED35F8CC479449609E8A0923A6" ma:contentTypeVersion="12" ma:contentTypeDescription="Create a new document." ma:contentTypeScope="" ma:versionID="a410dd7f93c95333ffa1b60ed6adedd1">
   <xsd:schema xmlns:xsd="http://www.w3.org/2001/XMLSchema" xmlns:xs="http://www.w3.org/2001/XMLSchema" xmlns:p="http://schemas.microsoft.com/office/2006/metadata/properties" xmlns:ns2="71af3243-3dd4-4a8d-8c0d-dd76da1f02a5" xmlns:ns3="16c05727-aa75-4e4a-9b5f-8a80a1165891" targetNamespace="http://schemas.microsoft.com/office/2006/metadata/properties" ma:root="true" ma:fieldsID="a936d9baba76aa3866493feff160faab" ns2:_="" ns3:_="">
     <xsd:import namespace="71af3243-3dd4-4a8d-8c0d-dd76da1f02a5"/>
@@ -19125,25 +19242,25 @@
 </ct:contentTypeSchema>
 </file>
 
-<file path=customXml/itemProps1.xml><?xml version="1.0" encoding="utf-8"?>
-<ds:datastoreItem xmlns:ds="http://schemas.openxmlformats.org/officeDocument/2006/customXml" ds:itemID="{AA3F7EDC-E5B4-4BBC-9D2A-CBE6D46C37AD}">
-  <ds:schemaRefs>
-    <ds:schemaRef ds:uri="http://schemas.microsoft.com/sharepoint/v3/contenttype/forms"/>
-  </ds:schemaRefs>
-</ds:datastoreItem>
+<file path=customXml/item2.xml><?xml version="1.0" encoding="utf-8"?>
+<p:properties xmlns:p="http://schemas.microsoft.com/office/2006/metadata/properties" xmlns:xsi="http://www.w3.org/2001/XMLSchema-instance" xmlns:pc="http://schemas.microsoft.com/office/infopath/2007/PartnerControls">
+  <documentManagement>
+    <Status xmlns="71af3243-3dd4-4a8d-8c0d-dd76da1f02a5">Not started</Status>
+    <MediaServiceKeyPoints xmlns="71af3243-3dd4-4a8d-8c0d-dd76da1f02a5" xsi:nil="true"/>
+  </documentManagement>
+</p:properties>
 </file>
 
-<file path=customXml/itemProps2.xml><?xml version="1.0" encoding="utf-8"?>
-<ds:datastoreItem xmlns:ds="http://schemas.openxmlformats.org/officeDocument/2006/customXml" ds:itemID="{A03EEFF0-FB57-4CB4-8BFC-DF397689E2ED}">
-  <ds:schemaRefs>
-    <ds:schemaRef ds:uri="http://schemas.microsoft.com/office/2006/metadata/properties"/>
-    <ds:schemaRef ds:uri="http://schemas.microsoft.com/office/infopath/2007/PartnerControls"/>
-    <ds:schemaRef ds:uri="71af3243-3dd4-4a8d-8c0d-dd76da1f02a5"/>
-  </ds:schemaRefs>
-</ds:datastoreItem>
+<file path=customXml/item3.xml><?xml version="1.0" encoding="utf-8"?>
+<?mso-contentType ?>
+<FormTemplates xmlns="http://schemas.microsoft.com/sharepoint/v3/contenttype/forms">
+  <Display>DocumentLibraryForm</Display>
+  <Edit>DocumentLibraryForm</Edit>
+  <New>DocumentLibraryForm</New>
+</FormTemplates>
 </file>
 
-<file path=customXml/itemProps3.xml><?xml version="1.0" encoding="utf-8"?>
+<file path=customXml/itemProps1.xml><?xml version="1.0" encoding="utf-8"?>
 <ds:datastoreItem xmlns:ds="http://schemas.openxmlformats.org/officeDocument/2006/customXml" ds:itemID="{93932EF5-314F-409E-8020-FEE5FA0795B9}">
   <ds:schemaRefs>
     <ds:schemaRef ds:uri="http://schemas.microsoft.com/office/2006/metadata/contentType"/>
@@ -19160,4 +19277,22 @@
     <ds:schemaRef ds:uri="http://schemas.microsoft.com/internal/obd"/>
   </ds:schemaRefs>
 </ds:datastoreItem>
+</file>
+
+<file path=customXml/itemProps2.xml><?xml version="1.0" encoding="utf-8"?>
+<ds:datastoreItem xmlns:ds="http://schemas.openxmlformats.org/officeDocument/2006/customXml" ds:itemID="{A03EEFF0-FB57-4CB4-8BFC-DF397689E2ED}">
+  <ds:schemaRefs>
+    <ds:schemaRef ds:uri="http://schemas.microsoft.com/office/2006/metadata/properties"/>
+    <ds:schemaRef ds:uri="http://schemas.microsoft.com/office/infopath/2007/PartnerControls"/>
+    <ds:schemaRef ds:uri="71af3243-3dd4-4a8d-8c0d-dd76da1f02a5"/>
+  </ds:schemaRefs>
+</ds:datastoreItem>
+</file>
+
+<file path=customXml/itemProps3.xml><?xml version="1.0" encoding="utf-8"?>
+<ds:datastoreItem xmlns:ds="http://schemas.openxmlformats.org/officeDocument/2006/customXml" ds:itemID="{AA3F7EDC-E5B4-4BBC-9D2A-CBE6D46C37AD}">
+  <ds:schemaRefs>
+    <ds:schemaRef ds:uri="http://schemas.microsoft.com/sharepoint/v3/contenttype/forms"/>
+  </ds:schemaRefs>
+</ds:datastoreItem>
 </file>
--- a/My_presentation_chess.pptx
+++ b/My_presentation_chess.pptx
@@ -14373,7 +14373,7 @@
         </p:nvSpPr>
         <p:spPr>
           <a:xfrm>
-            <a:off x="982133" y="1420868"/>
+            <a:off x="982133" y="1182231"/>
             <a:ext cx="10227733" cy="2246769"/>
           </a:xfrm>
           <a:prstGeom prst="rect">
@@ -14457,6 +14457,561 @@
           </a:p>
         </p:txBody>
       </p:sp>
+      <p:sp>
+        <p:nvSpPr>
+          <p:cNvPr id="4" name="Rectangle: Rounded Corners 3">
+            <a:extLst>
+              <a:ext uri="{FF2B5EF4-FFF2-40B4-BE49-F238E27FC236}">
+                <a16:creationId xmlns:a16="http://schemas.microsoft.com/office/drawing/2014/main" id="{39A5987B-7280-4282-AAFB-788D9319F5D9}"/>
+              </a:ext>
+            </a:extLst>
+          </p:cNvPr>
+          <p:cNvSpPr/>
+          <p:nvPr/>
+        </p:nvSpPr>
+        <p:spPr>
+          <a:xfrm>
+            <a:off x="2023536" y="3316941"/>
+            <a:ext cx="1750606" cy="537882"/>
+          </a:xfrm>
+          <a:prstGeom prst="roundRect">
+            <a:avLst/>
+          </a:prstGeom>
+          <a:solidFill>
+            <a:srgbClr val="6D7CAF"/>
+          </a:solidFill>
+          <a:ln>
+            <a:noFill/>
+          </a:ln>
+        </p:spPr>
+        <p:style>
+          <a:lnRef idx="2">
+            <a:schemeClr val="accent1">
+              <a:shade val="50000"/>
+            </a:schemeClr>
+          </a:lnRef>
+          <a:fillRef idx="1">
+            <a:schemeClr val="accent1"/>
+          </a:fillRef>
+          <a:effectRef idx="0">
+            <a:schemeClr val="accent1"/>
+          </a:effectRef>
+          <a:fontRef idx="minor">
+            <a:schemeClr val="lt1"/>
+          </a:fontRef>
+        </p:style>
+        <p:txBody>
+          <a:bodyPr rtlCol="0" anchor="ctr"/>
+          <a:lstStyle/>
+          <a:p>
+            <a:pPr algn="ctr"/>
+            <a:r>
+              <a:rPr lang="en-US" sz="1400" dirty="0">
+                <a:latin typeface="Century Gothic" panose="020B0502020202020204" pitchFamily="34" charset="0"/>
+              </a:rPr>
+              <a:t>Players Ratings</a:t>
+            </a:r>
+          </a:p>
+        </p:txBody>
+      </p:sp>
+      <p:sp>
+        <p:nvSpPr>
+          <p:cNvPr id="6" name="Rectangle: Rounded Corners 5">
+            <a:extLst>
+              <a:ext uri="{FF2B5EF4-FFF2-40B4-BE49-F238E27FC236}">
+                <a16:creationId xmlns:a16="http://schemas.microsoft.com/office/drawing/2014/main" id="{28068267-66B9-443E-8480-1668F427A0F1}"/>
+              </a:ext>
+            </a:extLst>
+          </p:cNvPr>
+          <p:cNvSpPr/>
+          <p:nvPr/>
+        </p:nvSpPr>
+        <p:spPr>
+          <a:xfrm>
+            <a:off x="2023534" y="4081183"/>
+            <a:ext cx="1750606" cy="537882"/>
+          </a:xfrm>
+          <a:prstGeom prst="roundRect">
+            <a:avLst/>
+          </a:prstGeom>
+          <a:solidFill>
+            <a:srgbClr val="6D7CAF"/>
+          </a:solidFill>
+          <a:ln>
+            <a:noFill/>
+          </a:ln>
+        </p:spPr>
+        <p:style>
+          <a:lnRef idx="2">
+            <a:schemeClr val="accent1">
+              <a:shade val="50000"/>
+            </a:schemeClr>
+          </a:lnRef>
+          <a:fillRef idx="1">
+            <a:schemeClr val="accent1"/>
+          </a:fillRef>
+          <a:effectRef idx="0">
+            <a:schemeClr val="accent1"/>
+          </a:effectRef>
+          <a:fontRef idx="minor">
+            <a:schemeClr val="lt1"/>
+          </a:fontRef>
+        </p:style>
+        <p:txBody>
+          <a:bodyPr rtlCol="0" anchor="ctr"/>
+          <a:lstStyle/>
+          <a:p>
+            <a:pPr algn="ctr"/>
+            <a:r>
+              <a:rPr lang="en-US" sz="1400" dirty="0">
+                <a:latin typeface="Century Gothic" panose="020B0502020202020204" pitchFamily="34" charset="0"/>
+              </a:rPr>
+              <a:t>Opening Move</a:t>
+            </a:r>
+          </a:p>
+        </p:txBody>
+      </p:sp>
+      <p:sp>
+        <p:nvSpPr>
+          <p:cNvPr id="7" name="Rectangle: Rounded Corners 6">
+            <a:extLst>
+              <a:ext uri="{FF2B5EF4-FFF2-40B4-BE49-F238E27FC236}">
+                <a16:creationId xmlns:a16="http://schemas.microsoft.com/office/drawing/2014/main" id="{ADE09AC3-7239-4EF3-81C2-A7F1CB175F6E}"/>
+              </a:ext>
+            </a:extLst>
+          </p:cNvPr>
+          <p:cNvSpPr/>
+          <p:nvPr/>
+        </p:nvSpPr>
+        <p:spPr>
+          <a:xfrm>
+            <a:off x="2023534" y="4787156"/>
+            <a:ext cx="1750606" cy="537882"/>
+          </a:xfrm>
+          <a:prstGeom prst="roundRect">
+            <a:avLst/>
+          </a:prstGeom>
+          <a:solidFill>
+            <a:srgbClr val="6D7CAF"/>
+          </a:solidFill>
+          <a:ln>
+            <a:noFill/>
+          </a:ln>
+        </p:spPr>
+        <p:style>
+          <a:lnRef idx="2">
+            <a:schemeClr val="accent1">
+              <a:shade val="50000"/>
+            </a:schemeClr>
+          </a:lnRef>
+          <a:fillRef idx="1">
+            <a:schemeClr val="accent1"/>
+          </a:fillRef>
+          <a:effectRef idx="0">
+            <a:schemeClr val="accent1"/>
+          </a:effectRef>
+          <a:fontRef idx="minor">
+            <a:schemeClr val="lt1"/>
+          </a:fontRef>
+        </p:style>
+        <p:txBody>
+          <a:bodyPr rtlCol="0" anchor="ctr"/>
+          <a:lstStyle/>
+          <a:p>
+            <a:pPr algn="ctr"/>
+            <a:r>
+              <a:rPr lang="en-US" sz="1400" dirty="0">
+                <a:latin typeface="Century Gothic" panose="020B0502020202020204" pitchFamily="34" charset="0"/>
+              </a:rPr>
+              <a:t>Time Rules</a:t>
+            </a:r>
+          </a:p>
+        </p:txBody>
+      </p:sp>
+      <p:sp>
+        <p:nvSpPr>
+          <p:cNvPr id="8" name="Rectangle: Rounded Corners 7">
+            <a:extLst>
+              <a:ext uri="{FF2B5EF4-FFF2-40B4-BE49-F238E27FC236}">
+                <a16:creationId xmlns:a16="http://schemas.microsoft.com/office/drawing/2014/main" id="{F9E159D1-AEF0-4FC1-8D75-648C448D836A}"/>
+              </a:ext>
+            </a:extLst>
+          </p:cNvPr>
+          <p:cNvSpPr/>
+          <p:nvPr/>
+        </p:nvSpPr>
+        <p:spPr>
+          <a:xfrm>
+            <a:off x="2023534" y="5551398"/>
+            <a:ext cx="1750606" cy="537882"/>
+          </a:xfrm>
+          <a:prstGeom prst="roundRect">
+            <a:avLst/>
+          </a:prstGeom>
+          <a:solidFill>
+            <a:srgbClr val="6D7CAF"/>
+          </a:solidFill>
+          <a:ln>
+            <a:noFill/>
+          </a:ln>
+        </p:spPr>
+        <p:style>
+          <a:lnRef idx="2">
+            <a:schemeClr val="accent1">
+              <a:shade val="50000"/>
+            </a:schemeClr>
+          </a:lnRef>
+          <a:fillRef idx="1">
+            <a:schemeClr val="accent1"/>
+          </a:fillRef>
+          <a:effectRef idx="0">
+            <a:schemeClr val="accent1"/>
+          </a:effectRef>
+          <a:fontRef idx="minor">
+            <a:schemeClr val="lt1"/>
+          </a:fontRef>
+        </p:style>
+        <p:txBody>
+          <a:bodyPr rtlCol="0" anchor="ctr"/>
+          <a:lstStyle/>
+          <a:p>
+            <a:pPr algn="ctr"/>
+            <a:r>
+              <a:rPr lang="en-US" sz="1400" dirty="0">
+                <a:latin typeface="Century Gothic" panose="020B0502020202020204" pitchFamily="34" charset="0"/>
+              </a:rPr>
+              <a:t>Number of moves</a:t>
+            </a:r>
+          </a:p>
+        </p:txBody>
+      </p:sp>
+      <p:sp>
+        <p:nvSpPr>
+          <p:cNvPr id="9" name="Rectangle: Rounded Corners 8">
+            <a:extLst>
+              <a:ext uri="{FF2B5EF4-FFF2-40B4-BE49-F238E27FC236}">
+                <a16:creationId xmlns:a16="http://schemas.microsoft.com/office/drawing/2014/main" id="{FFDAB881-34A1-4844-94FA-973157F027AD}"/>
+              </a:ext>
+            </a:extLst>
+          </p:cNvPr>
+          <p:cNvSpPr/>
+          <p:nvPr/>
+        </p:nvSpPr>
+        <p:spPr>
+          <a:xfrm>
+            <a:off x="5165164" y="3951769"/>
+            <a:ext cx="1317811" cy="1466898"/>
+          </a:xfrm>
+          <a:prstGeom prst="roundRect">
+            <a:avLst/>
+          </a:prstGeom>
+          <a:solidFill>
+            <a:srgbClr val="9E3B50"/>
+          </a:solidFill>
+          <a:ln>
+            <a:noFill/>
+          </a:ln>
+        </p:spPr>
+        <p:style>
+          <a:lnRef idx="2">
+            <a:schemeClr val="accent1">
+              <a:shade val="50000"/>
+            </a:schemeClr>
+          </a:lnRef>
+          <a:fillRef idx="1">
+            <a:schemeClr val="accent1"/>
+          </a:fillRef>
+          <a:effectRef idx="0">
+            <a:schemeClr val="accent1"/>
+          </a:effectRef>
+          <a:fontRef idx="minor">
+            <a:schemeClr val="lt1"/>
+          </a:fontRef>
+        </p:style>
+        <p:txBody>
+          <a:bodyPr rtlCol="0" anchor="ctr"/>
+          <a:lstStyle/>
+          <a:p>
+            <a:pPr algn="ctr"/>
+            <a:r>
+              <a:rPr lang="en-US" sz="1400" dirty="0">
+                <a:latin typeface="Century Gothic" panose="020B0502020202020204" pitchFamily="34" charset="0"/>
+              </a:rPr>
+              <a:t>Model</a:t>
+            </a:r>
+          </a:p>
+        </p:txBody>
+      </p:sp>
+      <p:sp>
+        <p:nvSpPr>
+          <p:cNvPr id="10" name="Rectangle: Rounded Corners 9">
+            <a:extLst>
+              <a:ext uri="{FF2B5EF4-FFF2-40B4-BE49-F238E27FC236}">
+                <a16:creationId xmlns:a16="http://schemas.microsoft.com/office/drawing/2014/main" id="{EE66B84D-9C01-421B-86FD-EDFFEED284FA}"/>
+              </a:ext>
+            </a:extLst>
+          </p:cNvPr>
+          <p:cNvSpPr/>
+          <p:nvPr/>
+        </p:nvSpPr>
+        <p:spPr>
+          <a:xfrm>
+            <a:off x="7649383" y="4416277"/>
+            <a:ext cx="1317811" cy="537882"/>
+          </a:xfrm>
+          <a:prstGeom prst="roundRect">
+            <a:avLst/>
+          </a:prstGeom>
+          <a:solidFill>
+            <a:srgbClr val="511A75"/>
+          </a:solidFill>
+          <a:ln>
+            <a:noFill/>
+          </a:ln>
+        </p:spPr>
+        <p:style>
+          <a:lnRef idx="2">
+            <a:schemeClr val="accent1">
+              <a:shade val="50000"/>
+            </a:schemeClr>
+          </a:lnRef>
+          <a:fillRef idx="1">
+            <a:schemeClr val="accent1"/>
+          </a:fillRef>
+          <a:effectRef idx="0">
+            <a:schemeClr val="accent1"/>
+          </a:effectRef>
+          <a:fontRef idx="minor">
+            <a:schemeClr val="lt1"/>
+          </a:fontRef>
+        </p:style>
+        <p:txBody>
+          <a:bodyPr rtlCol="0" anchor="ctr"/>
+          <a:lstStyle/>
+          <a:p>
+            <a:pPr algn="ctr"/>
+            <a:r>
+              <a:rPr lang="en-US" sz="1400" dirty="0">
+                <a:latin typeface="Century Gothic" panose="020B0502020202020204" pitchFamily="34" charset="0"/>
+              </a:rPr>
+              <a:t>Winner</a:t>
+            </a:r>
+          </a:p>
+        </p:txBody>
+      </p:sp>
+      <p:cxnSp>
+        <p:nvCxnSpPr>
+          <p:cNvPr id="12" name="Straight Arrow Connector 11">
+            <a:extLst>
+              <a:ext uri="{FF2B5EF4-FFF2-40B4-BE49-F238E27FC236}">
+                <a16:creationId xmlns:a16="http://schemas.microsoft.com/office/drawing/2014/main" id="{AD400D6B-1C36-4A63-AD32-A7CD3A3C1B27}"/>
+              </a:ext>
+            </a:extLst>
+          </p:cNvPr>
+          <p:cNvCxnSpPr>
+            <a:stCxn id="4" idx="3"/>
+            <a:endCxn id="9" idx="1"/>
+          </p:cNvCxnSpPr>
+          <p:nvPr/>
+        </p:nvCxnSpPr>
+        <p:spPr>
+          <a:xfrm>
+            <a:off x="3774142" y="3585882"/>
+            <a:ext cx="1391022" cy="1099336"/>
+          </a:xfrm>
+          <a:prstGeom prst="straightConnector1">
+            <a:avLst/>
+          </a:prstGeom>
+          <a:ln>
+            <a:tailEnd type="triangle"/>
+          </a:ln>
+        </p:spPr>
+        <p:style>
+          <a:lnRef idx="3">
+            <a:schemeClr val="dk1"/>
+          </a:lnRef>
+          <a:fillRef idx="0">
+            <a:schemeClr val="dk1"/>
+          </a:fillRef>
+          <a:effectRef idx="2">
+            <a:schemeClr val="dk1"/>
+          </a:effectRef>
+          <a:fontRef idx="minor">
+            <a:schemeClr val="tx1"/>
+          </a:fontRef>
+        </p:style>
+      </p:cxnSp>
+      <p:cxnSp>
+        <p:nvCxnSpPr>
+          <p:cNvPr id="13" name="Straight Arrow Connector 12">
+            <a:extLst>
+              <a:ext uri="{FF2B5EF4-FFF2-40B4-BE49-F238E27FC236}">
+                <a16:creationId xmlns:a16="http://schemas.microsoft.com/office/drawing/2014/main" id="{57EA141B-C12C-4155-B7C9-A437A6CBEE02}"/>
+              </a:ext>
+            </a:extLst>
+          </p:cNvPr>
+          <p:cNvCxnSpPr>
+            <a:cxnSpLocks/>
+            <a:endCxn id="9" idx="1"/>
+          </p:cNvCxnSpPr>
+          <p:nvPr/>
+        </p:nvCxnSpPr>
+        <p:spPr>
+          <a:xfrm>
+            <a:off x="3774140" y="4332195"/>
+            <a:ext cx="1391024" cy="353023"/>
+          </a:xfrm>
+          <a:prstGeom prst="straightConnector1">
+            <a:avLst/>
+          </a:prstGeom>
+          <a:ln>
+            <a:tailEnd type="triangle"/>
+          </a:ln>
+        </p:spPr>
+        <p:style>
+          <a:lnRef idx="3">
+            <a:schemeClr val="dk1"/>
+          </a:lnRef>
+          <a:fillRef idx="0">
+            <a:schemeClr val="dk1"/>
+          </a:fillRef>
+          <a:effectRef idx="2">
+            <a:schemeClr val="dk1"/>
+          </a:effectRef>
+          <a:fontRef idx="minor">
+            <a:schemeClr val="tx1"/>
+          </a:fontRef>
+        </p:style>
+      </p:cxnSp>
+      <p:cxnSp>
+        <p:nvCxnSpPr>
+          <p:cNvPr id="15" name="Straight Arrow Connector 14">
+            <a:extLst>
+              <a:ext uri="{FF2B5EF4-FFF2-40B4-BE49-F238E27FC236}">
+                <a16:creationId xmlns:a16="http://schemas.microsoft.com/office/drawing/2014/main" id="{9106317F-36BC-4D1C-978B-0550111CC1D5}"/>
+              </a:ext>
+            </a:extLst>
+          </p:cNvPr>
+          <p:cNvCxnSpPr>
+            <a:cxnSpLocks/>
+            <a:stCxn id="7" idx="3"/>
+            <a:endCxn id="9" idx="1"/>
+          </p:cNvCxnSpPr>
+          <p:nvPr/>
+        </p:nvCxnSpPr>
+        <p:spPr>
+          <a:xfrm flipV="1">
+            <a:off x="3774140" y="4685218"/>
+            <a:ext cx="1391024" cy="370879"/>
+          </a:xfrm>
+          <a:prstGeom prst="straightConnector1">
+            <a:avLst/>
+          </a:prstGeom>
+          <a:ln>
+            <a:tailEnd type="triangle"/>
+          </a:ln>
+        </p:spPr>
+        <p:style>
+          <a:lnRef idx="3">
+            <a:schemeClr val="dk1"/>
+          </a:lnRef>
+          <a:fillRef idx="0">
+            <a:schemeClr val="dk1"/>
+          </a:fillRef>
+          <a:effectRef idx="2">
+            <a:schemeClr val="dk1"/>
+          </a:effectRef>
+          <a:fontRef idx="minor">
+            <a:schemeClr val="tx1"/>
+          </a:fontRef>
+        </p:style>
+      </p:cxnSp>
+      <p:cxnSp>
+        <p:nvCxnSpPr>
+          <p:cNvPr id="17" name="Straight Arrow Connector 16">
+            <a:extLst>
+              <a:ext uri="{FF2B5EF4-FFF2-40B4-BE49-F238E27FC236}">
+                <a16:creationId xmlns:a16="http://schemas.microsoft.com/office/drawing/2014/main" id="{10D1FB5F-44F7-4F06-AB7E-7B282534B9FE}"/>
+              </a:ext>
+            </a:extLst>
+          </p:cNvPr>
+          <p:cNvCxnSpPr>
+            <a:cxnSpLocks/>
+            <a:stCxn id="8" idx="3"/>
+            <a:endCxn id="9" idx="1"/>
+          </p:cNvCxnSpPr>
+          <p:nvPr/>
+        </p:nvCxnSpPr>
+        <p:spPr>
+          <a:xfrm flipV="1">
+            <a:off x="3774140" y="4685218"/>
+            <a:ext cx="1391024" cy="1135121"/>
+          </a:xfrm>
+          <a:prstGeom prst="straightConnector1">
+            <a:avLst/>
+          </a:prstGeom>
+          <a:ln>
+            <a:tailEnd type="triangle"/>
+          </a:ln>
+        </p:spPr>
+        <p:style>
+          <a:lnRef idx="3">
+            <a:schemeClr val="dk1"/>
+          </a:lnRef>
+          <a:fillRef idx="0">
+            <a:schemeClr val="dk1"/>
+          </a:fillRef>
+          <a:effectRef idx="2">
+            <a:schemeClr val="dk1"/>
+          </a:effectRef>
+          <a:fontRef idx="minor">
+            <a:schemeClr val="tx1"/>
+          </a:fontRef>
+        </p:style>
+      </p:cxnSp>
+      <p:cxnSp>
+        <p:nvCxnSpPr>
+          <p:cNvPr id="22" name="Straight Arrow Connector 21">
+            <a:extLst>
+              <a:ext uri="{FF2B5EF4-FFF2-40B4-BE49-F238E27FC236}">
+                <a16:creationId xmlns:a16="http://schemas.microsoft.com/office/drawing/2014/main" id="{33DFB833-62EB-497C-8D2C-A92BA13A0271}"/>
+              </a:ext>
+            </a:extLst>
+          </p:cNvPr>
+          <p:cNvCxnSpPr>
+            <a:cxnSpLocks/>
+            <a:stCxn id="9" idx="3"/>
+            <a:endCxn id="10" idx="1"/>
+          </p:cNvCxnSpPr>
+          <p:nvPr/>
+        </p:nvCxnSpPr>
+        <p:spPr>
+          <a:xfrm>
+            <a:off x="6482975" y="4685218"/>
+            <a:ext cx="1166408" cy="0"/>
+          </a:xfrm>
+          <a:prstGeom prst="straightConnector1">
+            <a:avLst/>
+          </a:prstGeom>
+          <a:ln>
+            <a:tailEnd type="triangle"/>
+          </a:ln>
+        </p:spPr>
+        <p:style>
+          <a:lnRef idx="3">
+            <a:schemeClr val="dk1"/>
+          </a:lnRef>
+          <a:fillRef idx="0">
+            <a:schemeClr val="dk1"/>
+          </a:fillRef>
+          <a:effectRef idx="2">
+            <a:schemeClr val="dk1"/>
+          </a:effectRef>
+          <a:fontRef idx="minor">
+            <a:schemeClr val="tx1"/>
+          </a:fontRef>
+        </p:style>
+      </p:cxnSp>
     </p:spTree>
     <p:extLst>
       <p:ext uri="{BB962C8B-B14F-4D97-AF65-F5344CB8AC3E}">
@@ -16917,7 +17472,7 @@
         <p:spPr>
           <a:xfrm>
             <a:off x="563880" y="1010186"/>
-            <a:ext cx="8686800" cy="707886"/>
+            <a:ext cx="10759440" cy="646331"/>
           </a:xfrm>
           <a:prstGeom prst="rect">
             <a:avLst/>
@@ -16931,13 +17486,49 @@
           <a:lstStyle/>
           <a:p>
             <a:r>
-              <a:rPr lang="en-US" sz="2000" dirty="0">
+              <a:rPr lang="en-US" dirty="0">
                 <a:solidFill>
                   <a:srgbClr val="30383B"/>
                 </a:solidFill>
                 <a:latin typeface="Century Gothic" panose="020B0502020202020204" pitchFamily="34" charset="0"/>
               </a:rPr>
-              <a:t>The dataset was obtained from Kaggle, it’s rich in information which needs to be handled with first before performing nay modellings</a:t>
+              <a:t>The dataset was obtained from Kaggle, it’s rich in information which needs to be handled with first before performing nay modellings it contains </a:t>
+            </a:r>
+            <a:r>
+              <a:rPr lang="en-US" u="sng" dirty="0">
+                <a:solidFill>
+                  <a:srgbClr val="30383B"/>
+                </a:solidFill>
+                <a:latin typeface="Century Gothic" panose="020B0502020202020204" pitchFamily="34" charset="0"/>
+              </a:rPr>
+              <a:t>20,000</a:t>
+            </a:r>
+            <a:r>
+              <a:rPr lang="en-US" dirty="0">
+                <a:solidFill>
+                  <a:srgbClr val="30383B"/>
+                </a:solidFill>
+                <a:latin typeface="Century Gothic" panose="020B0502020202020204" pitchFamily="34" charset="0"/>
+              </a:rPr>
+              <a:t> datapoints and </a:t>
+            </a:r>
+            <a:r>
+              <a:rPr lang="en-US" u="sng" dirty="0">
+                <a:solidFill>
+                  <a:srgbClr val="30383B"/>
+                </a:solidFill>
+                <a:latin typeface="Century Gothic" panose="020B0502020202020204" pitchFamily="34" charset="0"/>
+              </a:rPr>
+              <a:t>16 features</a:t>
+            </a:r>
+            <a:r>
+              <a:rPr lang="en-US" dirty="0">
+                <a:solidFill>
+                  <a:srgbClr val="30383B"/>
+                </a:solidFill>
+                <a:latin typeface="Century Gothic" panose="020B0502020202020204" pitchFamily="34" charset="0"/>
+              </a:rPr>
+              <a:t>.</a:t>
             </a:r>
           </a:p>
         </p:txBody>
@@ -18228,7 +18819,7 @@
         <p:spPr>
           <a:xfrm>
             <a:off x="449062" y="3105834"/>
-            <a:ext cx="3911271" cy="646331"/>
+            <a:ext cx="3911271" cy="1200329"/>
           </a:xfrm>
           <a:prstGeom prst="rect">
             <a:avLst/>
@@ -18243,7 +18834,16 @@
           <a:p>
             <a:r>
               <a:rPr lang="en-US" dirty="0"/>
-              <a:t>The fight between white and black is a close call , white edges a little bit</a:t>
+              <a:t>The fight between white and black is a close call , white edges a little bit.</a:t>
+            </a:r>
+          </a:p>
+          <a:p>
+            <a:endParaRPr lang="en-US" dirty="0"/>
+          </a:p>
+          <a:p>
+            <a:r>
+              <a:rPr lang="en-US" dirty="0"/>
+              <a:t>This a multi-classification problem</a:t>
             </a:r>
           </a:p>
         </p:txBody>
@@ -19022,6 +19622,24 @@
 </file>
 
 <file path=customXml/item1.xml><?xml version="1.0" encoding="utf-8"?>
+<?mso-contentType ?>
+<FormTemplates xmlns="http://schemas.microsoft.com/sharepoint/v3/contenttype/forms">
+  <Display>DocumentLibraryForm</Display>
+  <Edit>DocumentLibraryForm</Edit>
+  <New>DocumentLibraryForm</New>
+</FormTemplates>
+</file>
+
+<file path=customXml/item2.xml><?xml version="1.0" encoding="utf-8"?>
+<p:properties xmlns:p="http://schemas.microsoft.com/office/2006/metadata/properties" xmlns:xsi="http://www.w3.org/2001/XMLSchema-instance" xmlns:pc="http://schemas.microsoft.com/office/infopath/2007/PartnerControls">
+  <documentManagement>
+    <Status xmlns="71af3243-3dd4-4a8d-8c0d-dd76da1f02a5">Not started</Status>
+    <MediaServiceKeyPoints xmlns="71af3243-3dd4-4a8d-8c0d-dd76da1f02a5" xsi:nil="true"/>
+  </documentManagement>
+</p:properties>
+</file>
+
+<file path=customXml/item3.xml><?xml version="1.0" encoding="utf-8"?>
 <ct:contentTypeSchema xmlns:ct="http://schemas.microsoft.com/office/2006/metadata/contentType" xmlns:ma="http://schemas.microsoft.com/office/2006/metadata/properties/metaAttributes" ct:_="" ma:_="" ma:contentTypeName="Document" ma:contentTypeID="0x01010079F111ED35F8CC479449609E8A0923A6" ma:contentTypeVersion="12" ma:contentTypeDescription="Create a new document." ma:contentTypeScope="" ma:versionID="a410dd7f93c95333ffa1b60ed6adedd1">
   <xsd:schema xmlns:xsd="http://www.w3.org/2001/XMLSchema" xmlns:xs="http://www.w3.org/2001/XMLSchema" xmlns:p="http://schemas.microsoft.com/office/2006/metadata/properties" xmlns:ns2="71af3243-3dd4-4a8d-8c0d-dd76da1f02a5" xmlns:ns3="16c05727-aa75-4e4a-9b5f-8a80a1165891" targetNamespace="http://schemas.microsoft.com/office/2006/metadata/properties" ma:root="true" ma:fieldsID="a936d9baba76aa3866493feff160faab" ns2:_="" ns3:_="">
     <xsd:import namespace="71af3243-3dd4-4a8d-8c0d-dd76da1f02a5"/>
@@ -19242,25 +19860,25 @@
 </ct:contentTypeSchema>
 </file>
 
-<file path=customXml/item2.xml><?xml version="1.0" encoding="utf-8"?>
-<p:properties xmlns:p="http://schemas.microsoft.com/office/2006/metadata/properties" xmlns:xsi="http://www.w3.org/2001/XMLSchema-instance" xmlns:pc="http://schemas.microsoft.com/office/infopath/2007/PartnerControls">
-  <documentManagement>
-    <Status xmlns="71af3243-3dd4-4a8d-8c0d-dd76da1f02a5">Not started</Status>
-    <MediaServiceKeyPoints xmlns="71af3243-3dd4-4a8d-8c0d-dd76da1f02a5" xsi:nil="true"/>
-  </documentManagement>
-</p:properties>
+<file path=customXml/itemProps1.xml><?xml version="1.0" encoding="utf-8"?>
+<ds:datastoreItem xmlns:ds="http://schemas.openxmlformats.org/officeDocument/2006/customXml" ds:itemID="{AA3F7EDC-E5B4-4BBC-9D2A-CBE6D46C37AD}">
+  <ds:schemaRefs>
+    <ds:schemaRef ds:uri="http://schemas.microsoft.com/sharepoint/v3/contenttype/forms"/>
+  </ds:schemaRefs>
+</ds:datastoreItem>
 </file>
 
-<file path=customXml/item3.xml><?xml version="1.0" encoding="utf-8"?>
-<?mso-contentType ?>
-<FormTemplates xmlns="http://schemas.microsoft.com/sharepoint/v3/contenttype/forms">
-  <Display>DocumentLibraryForm</Display>
-  <Edit>DocumentLibraryForm</Edit>
-  <New>DocumentLibraryForm</New>
-</FormTemplates>
+<file path=customXml/itemProps2.xml><?xml version="1.0" encoding="utf-8"?>
+<ds:datastoreItem xmlns:ds="http://schemas.openxmlformats.org/officeDocument/2006/customXml" ds:itemID="{A03EEFF0-FB57-4CB4-8BFC-DF397689E2ED}">
+  <ds:schemaRefs>
+    <ds:schemaRef ds:uri="http://schemas.microsoft.com/office/2006/metadata/properties"/>
+    <ds:schemaRef ds:uri="http://schemas.microsoft.com/office/infopath/2007/PartnerControls"/>
+    <ds:schemaRef ds:uri="71af3243-3dd4-4a8d-8c0d-dd76da1f02a5"/>
+  </ds:schemaRefs>
+</ds:datastoreItem>
 </file>
 
-<file path=customXml/itemProps1.xml><?xml version="1.0" encoding="utf-8"?>
+<file path=customXml/itemProps3.xml><?xml version="1.0" encoding="utf-8"?>
 <ds:datastoreItem xmlns:ds="http://schemas.openxmlformats.org/officeDocument/2006/customXml" ds:itemID="{93932EF5-314F-409E-8020-FEE5FA0795B9}">
   <ds:schemaRefs>
     <ds:schemaRef ds:uri="http://schemas.microsoft.com/office/2006/metadata/contentType"/>
@@ -19277,22 +19895,4 @@
     <ds:schemaRef ds:uri="http://schemas.microsoft.com/internal/obd"/>
   </ds:schemaRefs>
 </ds:datastoreItem>
-</file>
-
-<file path=customXml/itemProps2.xml><?xml version="1.0" encoding="utf-8"?>
-<ds:datastoreItem xmlns:ds="http://schemas.openxmlformats.org/officeDocument/2006/customXml" ds:itemID="{A03EEFF0-FB57-4CB4-8BFC-DF397689E2ED}">
-  <ds:schemaRefs>
-    <ds:schemaRef ds:uri="http://schemas.microsoft.com/office/2006/metadata/properties"/>
-    <ds:schemaRef ds:uri="http://schemas.microsoft.com/office/infopath/2007/PartnerControls"/>
-    <ds:schemaRef ds:uri="71af3243-3dd4-4a8d-8c0d-dd76da1f02a5"/>
-  </ds:schemaRefs>
-</ds:datastoreItem>
-</file>
-
-<file path=customXml/itemProps3.xml><?xml version="1.0" encoding="utf-8"?>
-<ds:datastoreItem xmlns:ds="http://schemas.openxmlformats.org/officeDocument/2006/customXml" ds:itemID="{AA3F7EDC-E5B4-4BBC-9D2A-CBE6D46C37AD}">
-  <ds:schemaRefs>
-    <ds:schemaRef ds:uri="http://schemas.microsoft.com/sharepoint/v3/contenttype/forms"/>
-  </ds:schemaRefs>
-</ds:datastoreItem>
 </file>
--- a/My_presentation_chess.pptx
+++ b/My_presentation_chess.pptx
@@ -5,7 +5,7 @@
     <p:sldMasterId id="2147483660" r:id="rId4"/>
   </p:sldMasterIdLst>
   <p:notesMasterIdLst>
-    <p:notesMasterId r:id="rId19"/>
+    <p:notesMasterId r:id="rId20"/>
   </p:notesMasterIdLst>
   <p:sldIdLst>
     <p:sldId id="298" r:id="rId5"/>
@@ -17,11 +17,12 @@
     <p:sldId id="310" r:id="rId11"/>
     <p:sldId id="317" r:id="rId12"/>
     <p:sldId id="304" r:id="rId13"/>
-    <p:sldId id="301" r:id="rId14"/>
-    <p:sldId id="306" r:id="rId15"/>
-    <p:sldId id="314" r:id="rId16"/>
-    <p:sldId id="315" r:id="rId17"/>
-    <p:sldId id="316" r:id="rId18"/>
+    <p:sldId id="318" r:id="rId14"/>
+    <p:sldId id="301" r:id="rId15"/>
+    <p:sldId id="306" r:id="rId16"/>
+    <p:sldId id="314" r:id="rId17"/>
+    <p:sldId id="315" r:id="rId18"/>
+    <p:sldId id="316" r:id="rId19"/>
   </p:sldIdLst>
   <p:sldSz cx="12192000" cy="6858000"/>
   <p:notesSz cx="6858000" cy="9144000"/>
@@ -13167,6 +13168,167 @@
           <a:chExt cx="0" cy="0"/>
         </a:xfrm>
       </p:grpSpPr>
+      <p:sp>
+        <p:nvSpPr>
+          <p:cNvPr id="4" name="TextBox 3">
+            <a:extLst>
+              <a:ext uri="{FF2B5EF4-FFF2-40B4-BE49-F238E27FC236}">
+                <a16:creationId xmlns:a16="http://schemas.microsoft.com/office/drawing/2014/main" id="{1D83BD0D-9646-4ACD-B762-4688F889CCF9}"/>
+              </a:ext>
+            </a:extLst>
+          </p:cNvPr>
+          <p:cNvSpPr txBox="1"/>
+          <p:nvPr/>
+        </p:nvSpPr>
+        <p:spPr>
+          <a:xfrm>
+            <a:off x="0" y="269290"/>
+            <a:ext cx="5388746" cy="523220"/>
+          </a:xfrm>
+          <a:prstGeom prst="rect">
+            <a:avLst/>
+          </a:prstGeom>
+          <a:noFill/>
+        </p:spPr>
+        <p:txBody>
+          <a:bodyPr wrap="square" rtlCol="0">
+            <a:spAutoFit/>
+          </a:bodyPr>
+          <a:lstStyle/>
+          <a:p>
+            <a:r>
+              <a:rPr lang="en-US" sz="2800" dirty="0">
+                <a:latin typeface="Century Gothic" panose="020B0502020202020204" pitchFamily="34" charset="0"/>
+              </a:rPr>
+              <a:t>Top White and Black Players</a:t>
+            </a:r>
+          </a:p>
+        </p:txBody>
+      </p:sp>
+      <p:pic>
+        <p:nvPicPr>
+          <p:cNvPr id="1026" name="Picture 2">
+            <a:extLst>
+              <a:ext uri="{FF2B5EF4-FFF2-40B4-BE49-F238E27FC236}">
+                <a16:creationId xmlns:a16="http://schemas.microsoft.com/office/drawing/2014/main" id="{25B6F725-E188-4364-896A-ACD7196EBD36}"/>
+              </a:ext>
+            </a:extLst>
+          </p:cNvPr>
+          <p:cNvPicPr>
+            <a:picLocks noChangeAspect="1" noChangeArrowheads="1"/>
+          </p:cNvPicPr>
+          <p:nvPr/>
+        </p:nvPicPr>
+        <p:blipFill>
+          <a:blip r:embed="rId2">
+            <a:extLst>
+              <a:ext uri="{28A0092B-C50C-407E-A947-70E740481C1C}">
+                <a14:useLocalDpi xmlns:a14="http://schemas.microsoft.com/office/drawing/2010/main" val="0"/>
+              </a:ext>
+            </a:extLst>
+          </a:blip>
+          <a:srcRect/>
+          <a:stretch>
+            <a:fillRect/>
+          </a:stretch>
+        </p:blipFill>
+        <p:spPr bwMode="auto">
+          <a:xfrm>
+            <a:off x="6355301" y="1868284"/>
+            <a:ext cx="4799768" cy="2897354"/>
+          </a:xfrm>
+          <a:prstGeom prst="rect">
+            <a:avLst/>
+          </a:prstGeom>
+          <a:noFill/>
+          <a:extLst>
+            <a:ext uri="{909E8E84-426E-40DD-AFC4-6F175D3DCCD1}">
+              <a14:hiddenFill xmlns:a14="http://schemas.microsoft.com/office/drawing/2010/main">
+                <a:solidFill>
+                  <a:srgbClr val="FFFFFF"/>
+                </a:solidFill>
+              </a14:hiddenFill>
+            </a:ext>
+          </a:extLst>
+        </p:spPr>
+      </p:pic>
+      <p:pic>
+        <p:nvPicPr>
+          <p:cNvPr id="1028" name="Picture 4">
+            <a:extLst>
+              <a:ext uri="{FF2B5EF4-FFF2-40B4-BE49-F238E27FC236}">
+                <a16:creationId xmlns:a16="http://schemas.microsoft.com/office/drawing/2014/main" id="{B7291301-AEB2-477B-9153-F2E08F3F22CD}"/>
+              </a:ext>
+            </a:extLst>
+          </p:cNvPr>
+          <p:cNvPicPr>
+            <a:picLocks noChangeAspect="1" noChangeArrowheads="1"/>
+          </p:cNvPicPr>
+          <p:nvPr/>
+        </p:nvPicPr>
+        <p:blipFill>
+          <a:blip r:embed="rId3">
+            <a:extLst>
+              <a:ext uri="{28A0092B-C50C-407E-A947-70E740481C1C}">
+                <a14:useLocalDpi xmlns:a14="http://schemas.microsoft.com/office/drawing/2010/main" val="0"/>
+              </a:ext>
+            </a:extLst>
+          </a:blip>
+          <a:srcRect/>
+          <a:stretch>
+            <a:fillRect/>
+          </a:stretch>
+        </p:blipFill>
+        <p:spPr bwMode="auto">
+          <a:xfrm>
+            <a:off x="468711" y="1868285"/>
+            <a:ext cx="4920035" cy="2897354"/>
+          </a:xfrm>
+          <a:prstGeom prst="rect">
+            <a:avLst/>
+          </a:prstGeom>
+          <a:noFill/>
+          <a:extLst>
+            <a:ext uri="{909E8E84-426E-40DD-AFC4-6F175D3DCCD1}">
+              <a14:hiddenFill xmlns:a14="http://schemas.microsoft.com/office/drawing/2010/main">
+                <a:solidFill>
+                  <a:srgbClr val="FFFFFF"/>
+                </a:solidFill>
+              </a14:hiddenFill>
+            </a:ext>
+          </a:extLst>
+        </p:spPr>
+      </p:pic>
+    </p:spTree>
+    <p:extLst>
+      <p:ext uri="{BB962C8B-B14F-4D97-AF65-F5344CB8AC3E}">
+        <p14:creationId xmlns:p14="http://schemas.microsoft.com/office/powerpoint/2010/main" val="1434850474"/>
+      </p:ext>
+    </p:extLst>
+  </p:cSld>
+  <p:clrMapOvr>
+    <a:masterClrMapping/>
+  </p:clrMapOvr>
+</p:sld>
+</file>
+
+<file path=ppt/slides/slide11.xml><?xml version="1.0" encoding="utf-8"?>
+<p:sld xmlns:a="http://schemas.openxmlformats.org/drawingml/2006/main" xmlns:r="http://schemas.openxmlformats.org/officeDocument/2006/relationships" xmlns:p="http://schemas.openxmlformats.org/presentationml/2006/main">
+  <p:cSld>
+    <p:spTree>
+      <p:nvGrpSpPr>
+        <p:cNvPr id="1" name=""/>
+        <p:cNvGrpSpPr/>
+        <p:nvPr/>
+      </p:nvGrpSpPr>
+      <p:grpSpPr>
+        <a:xfrm>
+          <a:off x="0" y="0"/>
+          <a:ext cx="0" cy="0"/>
+          <a:chOff x="0" y="0"/>
+          <a:chExt cx="0" cy="0"/>
+        </a:xfrm>
+      </p:grpSpPr>
       <p:pic>
         <p:nvPicPr>
           <p:cNvPr id="16" name="Picture 15" descr="Graphical user interface, application, Teams&#10;&#10;Description automatically generated">
@@ -13253,7 +13415,7 @@
 </p:sld>
 </file>
 
-<file path=ppt/slides/slide11.xml><?xml version="1.0" encoding="utf-8"?>
+<file path=ppt/slides/slide12.xml><?xml version="1.0" encoding="utf-8"?>
 <p:sld xmlns:a="http://schemas.openxmlformats.org/drawingml/2006/main" xmlns:r="http://schemas.openxmlformats.org/officeDocument/2006/relationships" xmlns:p="http://schemas.openxmlformats.org/presentationml/2006/main">
   <p:cSld>
     <p:spTree>
@@ -14052,7 +14214,7 @@
 </p:sld>
 </file>
 
-<file path=ppt/slides/slide12.xml><?xml version="1.0" encoding="utf-8"?>
+<file path=ppt/slides/slide13.xml><?xml version="1.0" encoding="utf-8"?>
 <p:sld xmlns:a="http://schemas.openxmlformats.org/drawingml/2006/main" xmlns:r="http://schemas.openxmlformats.org/officeDocument/2006/relationships" xmlns:p="http://schemas.openxmlformats.org/presentationml/2006/main">
   <p:cSld>
     <p:spTree>
@@ -14302,7 +14464,7 @@
 </p:sld>
 </file>
 
-<file path=ppt/slides/slide13.xml><?xml version="1.0" encoding="utf-8"?>
+<file path=ppt/slides/slide14.xml><?xml version="1.0" encoding="utf-8"?>
 <p:sld xmlns:a="http://schemas.openxmlformats.org/drawingml/2006/main" xmlns:r="http://schemas.openxmlformats.org/officeDocument/2006/relationships" xmlns:p="http://schemas.openxmlformats.org/presentationml/2006/main">
   <p:cSld>
     <p:spTree>
@@ -15025,7 +15187,7 @@
 </p:sld>
 </file>
 
-<file path=ppt/slides/slide14.xml><?xml version="1.0" encoding="utf-8"?>
+<file path=ppt/slides/slide15.xml><?xml version="1.0" encoding="utf-8"?>
 <p:sld xmlns:a="http://schemas.openxmlformats.org/drawingml/2006/main" xmlns:r="http://schemas.openxmlformats.org/officeDocument/2006/relationships" xmlns:p="http://schemas.openxmlformats.org/presentationml/2006/main">
   <p:cSld>
     <p:spTree>
@@ -18906,7 +19068,7 @@
         </p:blipFill>
         <p:spPr>
           <a:xfrm>
-            <a:off x="-5533" y="1576639"/>
+            <a:off x="0" y="792510"/>
             <a:ext cx="5979614" cy="3350961"/>
           </a:xfrm>
           <a:prstGeom prst="rect">
@@ -18983,6 +19145,73 @@
                 <a:latin typeface="Century Gothic" panose="020B0502020202020204" pitchFamily="34" charset="0"/>
               </a:rPr>
               <a:t>Opening moves data</a:t>
+            </a:r>
+          </a:p>
+        </p:txBody>
+      </p:sp>
+      <p:pic>
+        <p:nvPicPr>
+          <p:cNvPr id="3" name="Picture 2">
+            <a:extLst>
+              <a:ext uri="{FF2B5EF4-FFF2-40B4-BE49-F238E27FC236}">
+                <a16:creationId xmlns:a16="http://schemas.microsoft.com/office/drawing/2014/main" id="{1F69FAA5-39FC-4576-9E1A-F6F739A4A9BE}"/>
+              </a:ext>
+            </a:extLst>
+          </p:cNvPr>
+          <p:cNvPicPr>
+            <a:picLocks noChangeAspect="1"/>
+          </p:cNvPicPr>
+          <p:nvPr/>
+        </p:nvPicPr>
+        <p:blipFill>
+          <a:blip r:embed="rId4"/>
+          <a:stretch>
+            <a:fillRect/>
+          </a:stretch>
+        </p:blipFill>
+        <p:spPr>
+          <a:xfrm>
+            <a:off x="3368532" y="4343525"/>
+            <a:ext cx="1900839" cy="1922019"/>
+          </a:xfrm>
+          <a:prstGeom prst="rect">
+            <a:avLst/>
+          </a:prstGeom>
+        </p:spPr>
+      </p:pic>
+      <p:sp>
+        <p:nvSpPr>
+          <p:cNvPr id="7" name="TextBox 6">
+            <a:extLst>
+              <a:ext uri="{FF2B5EF4-FFF2-40B4-BE49-F238E27FC236}">
+                <a16:creationId xmlns:a16="http://schemas.microsoft.com/office/drawing/2014/main" id="{B180EDAF-5B4A-4FDE-92EA-13D464038D0D}"/>
+              </a:ext>
+            </a:extLst>
+          </p:cNvPr>
+          <p:cNvSpPr txBox="1"/>
+          <p:nvPr/>
+        </p:nvSpPr>
+        <p:spPr>
+          <a:xfrm>
+            <a:off x="1123020" y="5104479"/>
+            <a:ext cx="2351068" cy="400110"/>
+          </a:xfrm>
+          <a:prstGeom prst="rect">
+            <a:avLst/>
+          </a:prstGeom>
+          <a:noFill/>
+        </p:spPr>
+        <p:txBody>
+          <a:bodyPr wrap="square" rtlCol="0">
+            <a:spAutoFit/>
+          </a:bodyPr>
+          <a:lstStyle/>
+          <a:p>
+            <a:r>
+              <a:rPr lang="en-US" sz="2000" dirty="0">
+                <a:latin typeface="Century Gothic" panose="020B0502020202020204" pitchFamily="34" charset="0"/>
+              </a:rPr>
+              <a:t>Sicilian Defense</a:t>
             </a:r>
           </a:p>
         </p:txBody>
@@ -19622,24 +19851,6 @@
 </file>
 
 <file path=customXml/item1.xml><?xml version="1.0" encoding="utf-8"?>
-<?mso-contentType ?>
-<FormTemplates xmlns="http://schemas.microsoft.com/sharepoint/v3/contenttype/forms">
-  <Display>DocumentLibraryForm</Display>
-  <Edit>DocumentLibraryForm</Edit>
-  <New>DocumentLibraryForm</New>
-</FormTemplates>
-</file>
-
-<file path=customXml/item2.xml><?xml version="1.0" encoding="utf-8"?>
-<p:properties xmlns:p="http://schemas.microsoft.com/office/2006/metadata/properties" xmlns:xsi="http://www.w3.org/2001/XMLSchema-instance" xmlns:pc="http://schemas.microsoft.com/office/infopath/2007/PartnerControls">
-  <documentManagement>
-    <Status xmlns="71af3243-3dd4-4a8d-8c0d-dd76da1f02a5">Not started</Status>
-    <MediaServiceKeyPoints xmlns="71af3243-3dd4-4a8d-8c0d-dd76da1f02a5" xsi:nil="true"/>
-  </documentManagement>
-</p:properties>
-</file>
-
-<file path=customXml/item3.xml><?xml version="1.0" encoding="utf-8"?>
 <ct:contentTypeSchema xmlns:ct="http://schemas.microsoft.com/office/2006/metadata/contentType" xmlns:ma="http://schemas.microsoft.com/office/2006/metadata/properties/metaAttributes" ct:_="" ma:_="" ma:contentTypeName="Document" ma:contentTypeID="0x01010079F111ED35F8CC479449609E8A0923A6" ma:contentTypeVersion="12" ma:contentTypeDescription="Create a new document." ma:contentTypeScope="" ma:versionID="a410dd7f93c95333ffa1b60ed6adedd1">
   <xsd:schema xmlns:xsd="http://www.w3.org/2001/XMLSchema" xmlns:xs="http://www.w3.org/2001/XMLSchema" xmlns:p="http://schemas.microsoft.com/office/2006/metadata/properties" xmlns:ns2="71af3243-3dd4-4a8d-8c0d-dd76da1f02a5" xmlns:ns3="16c05727-aa75-4e4a-9b5f-8a80a1165891" targetNamespace="http://schemas.microsoft.com/office/2006/metadata/properties" ma:root="true" ma:fieldsID="a936d9baba76aa3866493feff160faab" ns2:_="" ns3:_="">
     <xsd:import namespace="71af3243-3dd4-4a8d-8c0d-dd76da1f02a5"/>
@@ -19860,25 +20071,25 @@
 </ct:contentTypeSchema>
 </file>
 
-<file path=customXml/itemProps1.xml><?xml version="1.0" encoding="utf-8"?>
-<ds:datastoreItem xmlns:ds="http://schemas.openxmlformats.org/officeDocument/2006/customXml" ds:itemID="{AA3F7EDC-E5B4-4BBC-9D2A-CBE6D46C37AD}">
-  <ds:schemaRefs>
-    <ds:schemaRef ds:uri="http://schemas.microsoft.com/sharepoint/v3/contenttype/forms"/>
-  </ds:schemaRefs>
-</ds:datastoreItem>
+<file path=customXml/item2.xml><?xml version="1.0" encoding="utf-8"?>
+<p:properties xmlns:p="http://schemas.microsoft.com/office/2006/metadata/properties" xmlns:xsi="http://www.w3.org/2001/XMLSchema-instance" xmlns:pc="http://schemas.microsoft.com/office/infopath/2007/PartnerControls">
+  <documentManagement>
+    <Status xmlns="71af3243-3dd4-4a8d-8c0d-dd76da1f02a5">Not started</Status>
+    <MediaServiceKeyPoints xmlns="71af3243-3dd4-4a8d-8c0d-dd76da1f02a5" xsi:nil="true"/>
+  </documentManagement>
+</p:properties>
 </file>
 
-<file path=customXml/itemProps2.xml><?xml version="1.0" encoding="utf-8"?>
-<ds:datastoreItem xmlns:ds="http://schemas.openxmlformats.org/officeDocument/2006/customXml" ds:itemID="{A03EEFF0-FB57-4CB4-8BFC-DF397689E2ED}">
-  <ds:schemaRefs>
-    <ds:schemaRef ds:uri="http://schemas.microsoft.com/office/2006/metadata/properties"/>
-    <ds:schemaRef ds:uri="http://schemas.microsoft.com/office/infopath/2007/PartnerControls"/>
-    <ds:schemaRef ds:uri="71af3243-3dd4-4a8d-8c0d-dd76da1f02a5"/>
-  </ds:schemaRefs>
-</ds:datastoreItem>
+<file path=customXml/item3.xml><?xml version="1.0" encoding="utf-8"?>
+<?mso-contentType ?>
+<FormTemplates xmlns="http://schemas.microsoft.com/sharepoint/v3/contenttype/forms">
+  <Display>DocumentLibraryForm</Display>
+  <Edit>DocumentLibraryForm</Edit>
+  <New>DocumentLibraryForm</New>
+</FormTemplates>
 </file>
 
-<file path=customXml/itemProps3.xml><?xml version="1.0" encoding="utf-8"?>
+<file path=customXml/itemProps1.xml><?xml version="1.0" encoding="utf-8"?>
 <ds:datastoreItem xmlns:ds="http://schemas.openxmlformats.org/officeDocument/2006/customXml" ds:itemID="{93932EF5-314F-409E-8020-FEE5FA0795B9}">
   <ds:schemaRefs>
     <ds:schemaRef ds:uri="http://schemas.microsoft.com/office/2006/metadata/contentType"/>
@@ -19895,4 +20106,22 @@
     <ds:schemaRef ds:uri="http://schemas.microsoft.com/internal/obd"/>
   </ds:schemaRefs>
 </ds:datastoreItem>
+</file>
+
+<file path=customXml/itemProps2.xml><?xml version="1.0" encoding="utf-8"?>
+<ds:datastoreItem xmlns:ds="http://schemas.openxmlformats.org/officeDocument/2006/customXml" ds:itemID="{A03EEFF0-FB57-4CB4-8BFC-DF397689E2ED}">
+  <ds:schemaRefs>
+    <ds:schemaRef ds:uri="http://schemas.microsoft.com/office/2006/metadata/properties"/>
+    <ds:schemaRef ds:uri="http://schemas.microsoft.com/office/infopath/2007/PartnerControls"/>
+    <ds:schemaRef ds:uri="71af3243-3dd4-4a8d-8c0d-dd76da1f02a5"/>
+  </ds:schemaRefs>
+</ds:datastoreItem>
+</file>
+
+<file path=customXml/itemProps3.xml><?xml version="1.0" encoding="utf-8"?>
+<ds:datastoreItem xmlns:ds="http://schemas.openxmlformats.org/officeDocument/2006/customXml" ds:itemID="{AA3F7EDC-E5B4-4BBC-9D2A-CBE6D46C37AD}">
+  <ds:schemaRefs>
+    <ds:schemaRef ds:uri="http://schemas.microsoft.com/sharepoint/v3/contenttype/forms"/>
+  </ds:schemaRefs>
+</ds:datastoreItem>
 </file>